--- a/aws_service.pptx
+++ b/aws_service.pptx
@@ -5,13 +5,14 @@
     <p:sldMasterId id="2147483648" r:id="rId1"/>
   </p:sldMasterIdLst>
   <p:notesMasterIdLst>
-    <p:notesMasterId r:id="rId4"/>
+    <p:notesMasterId r:id="rId5"/>
   </p:notesMasterIdLst>
   <p:handoutMasterIdLst>
-    <p:handoutMasterId r:id="rId5"/>
+    <p:handoutMasterId r:id="rId6"/>
   </p:handoutMasterIdLst>
   <p:sldIdLst>
     <p:sldId id="256" r:id="rId3"/>
+    <p:sldId id="257" r:id="rId4"/>
   </p:sldIdLst>
   <p:sldSz cx="12192000" cy="6858000"/>
   <p:notesSz cx="6858000" cy="9144000"/>
@@ -3625,6 +3626,67 @@
 </p:sld>
 </file>
 
+<file path=ppt/slides/slide2.xml><?xml version="1.0" encoding="utf-8"?>
+<p:sld xmlns:a="http://schemas.openxmlformats.org/drawingml/2006/main" xmlns:r="http://schemas.openxmlformats.org/officeDocument/2006/relationships" xmlns:p="http://schemas.openxmlformats.org/presentationml/2006/main">
+  <p:cSld>
+    <p:spTree>
+      <p:nvGrpSpPr>
+        <p:cNvPr id="1" name=""/>
+        <p:cNvGrpSpPr/>
+        <p:nvPr/>
+      </p:nvGrpSpPr>
+      <p:grpSpPr/>
+      <p:sp>
+        <p:nvSpPr>
+          <p:cNvPr id="2" name="文本框 1"/>
+          <p:cNvSpPr txBox="1"/>
+          <p:nvPr/>
+        </p:nvSpPr>
+        <p:spPr>
+          <a:xfrm>
+            <a:off x="951865" y="123825"/>
+            <a:ext cx="1912620" cy="645160"/>
+          </a:xfrm>
+          <a:prstGeom prst="rect">
+            <a:avLst/>
+          </a:prstGeom>
+          <a:noFill/>
+        </p:spPr>
+        <p:txBody>
+          <a:bodyPr wrap="square" rtlCol="0">
+            <a:spAutoFit/>
+          </a:bodyPr>
+          <a:p>
+            <a:r>
+              <a:rPr lang="zh-CN" altLang="en-US"/>
+              <a:t>组件</a:t>
+            </a:r>
+            <a:r>
+              <a:rPr lang="en-US" altLang="zh-CN"/>
+              <a:t>：</a:t>
+            </a:r>
+            <a:endParaRPr lang="en-US" altLang="zh-CN"/>
+          </a:p>
+          <a:p>
+            <a:r>
+              <a:rPr lang="en-US" altLang="zh-CN"/>
+              <a:t>1.route 53</a:t>
+            </a:r>
+            <a:endParaRPr lang="en-US" altLang="zh-CN"/>
+          </a:p>
+        </p:txBody>
+      </p:sp>
+    </p:spTree>
+    <p:custDataLst>
+      <p:tags r:id="rId1"/>
+    </p:custDataLst>
+  </p:cSld>
+  <p:clrMapOvr>
+    <a:masterClrMapping/>
+  </p:clrMapOvr>
+</p:sld>
+</file>
+
 <file path=ppt/tags/tag1.xml><?xml version="1.0" encoding="utf-8"?>
 <p:tagLst xmlns:p="http://schemas.openxmlformats.org/presentationml/2006/main">
   <p:tag name="KSO_WM_UNIT_HIGHLIGHT" val="0"/>
@@ -4415,6 +4477,14 @@
   <p:tag name="KSO_WM_SLIDE_LAYOUT_CNT" val="1_1"/>
   <p:tag name="KSO_WM_UNIT_SHOW_EDIT_AREA_INDICATION" val="1"/>
   <p:tag name="KSO_WM_TEMPLATE_THUMBS_INDEX" val="1、4、7、12、13、14、15、16、17、18、20、24、25、28、33、36、40、43、44"/>
+</p:tagLst>
+</file>
+
+<file path=ppt/tags/tag64.xml><?xml version="1.0" encoding="utf-8"?>
+<p:tagLst xmlns:p="http://schemas.openxmlformats.org/presentationml/2006/main">
+  <p:tag name="KSO_WM_BEAUTIFY_FLAG" val="#wm#"/>
+  <p:tag name="KSO_WM_TEMPLATE_CATEGORY" val="custom"/>
+  <p:tag name="KSO_WM_TEMPLATE_INDEX" val="20205081"/>
 </p:tagLst>
 </file>
 

--- a/aws_service.pptx
+++ b/aws_service.pptx
@@ -5,14 +5,14 @@
     <p:sldMasterId id="2147483648" r:id="rId1"/>
   </p:sldMasterIdLst>
   <p:notesMasterIdLst>
-    <p:notesMasterId r:id="rId5"/>
+    <p:notesMasterId r:id="rId4"/>
   </p:notesMasterIdLst>
   <p:handoutMasterIdLst>
-    <p:handoutMasterId r:id="rId6"/>
+    <p:handoutMasterId r:id="rId5"/>
   </p:handoutMasterIdLst>
   <p:sldIdLst>
-    <p:sldId id="256" r:id="rId3"/>
-    <p:sldId id="257" r:id="rId4"/>
+    <p:sldId id="256" r:id="rId2"/>
+    <p:sldId id="257" r:id="rId3"/>
   </p:sldIdLst>
   <p:sldSz cx="12192000" cy="6858000"/>
   <p:notesSz cx="6858000" cy="9144000"/>
@@ -126,6 +126,9 @@
         </p15:guide>
       </p15:sldGuideLst>
     </p:ext>
+    <p:ext uri="{2D200454-40CA-4A62-9FC3-DE9A4176ACB9}">
+      <p15:notesGuideLst xmlns:p15="http://schemas.microsoft.com/office/powerpoint/2012/main"/>
+    </p:ext>
   </p:extLst>
 </p:presentation>
 </file>
@@ -212,6 +215,7 @@
           <a:p>
             <a:fld id="{0F9B84EA-7D68-4D60-9CB1-D50884785D1C}" type="datetimeFigureOut">
               <a:rPr lang="zh-CN" altLang="en-US" smtClean="0"/>
+              <a:t>2025/10/21</a:t>
             </a:fld>
             <a:endParaRPr lang="zh-CN" altLang="en-US"/>
           </a:p>
@@ -277,12 +281,18 @@
           <a:p>
             <a:fld id="{8D4E0FC9-F1F8-4FAE-9988-3BA365CFD46F}" type="slidenum">
               <a:rPr lang="zh-CN" altLang="en-US" smtClean="0"/>
+              <a:t>‹#›</a:t>
             </a:fld>
             <a:endParaRPr lang="zh-CN" altLang="en-US"/>
           </a:p>
         </p:txBody>
       </p:sp>
     </p:spTree>
+    <p:extLst>
+      <p:ext uri="{BB962C8B-B14F-4D97-AF65-F5344CB8AC3E}">
+        <p14:creationId xmlns:p14="http://schemas.microsoft.com/office/powerpoint/2010/main" val="1"/>
+      </p:ext>
+    </p:extLst>
   </p:cSld>
   <p:clrMap bg1="lt1" tx1="dk1" bg2="lt2" tx2="dk2" accent1="accent1" accent2="accent2" accent3="accent3" accent4="accent4" accent5="accent5" accent6="accent6" hlink="hlink" folHlink="folHlink"/>
 </p:handoutMaster>
@@ -370,6 +380,7 @@
           <a:p>
             <a:fld id="{D2A48B96-639E-45A3-A0BA-2464DFDB1FAA}" type="datetimeFigureOut">
               <a:rPr lang="zh-CN" altLang="en-US" smtClean="0"/>
+              <a:t>2025/10/21</a:t>
             </a:fld>
             <a:endParaRPr lang="zh-CN" altLang="en-US"/>
           </a:p>
@@ -433,42 +444,37 @@
           <a:p>
             <a:pPr lvl="0"/>
             <a:r>
-              <a:rPr lang="zh-CN" altLang="en-US" smtClean="0"/>
+              <a:rPr lang="zh-CN" altLang="en-US"/>
               <a:t>单击此处编辑母版文本样式</a:t>
             </a:r>
-            <a:endParaRPr lang="zh-CN" altLang="en-US" smtClean="0"/>
           </a:p>
           <a:p>
             <a:pPr lvl="1"/>
             <a:r>
-              <a:rPr lang="zh-CN" altLang="en-US" smtClean="0"/>
+              <a:rPr lang="zh-CN" altLang="en-US"/>
               <a:t>第二级</a:t>
             </a:r>
-            <a:endParaRPr lang="zh-CN" altLang="en-US" smtClean="0"/>
           </a:p>
           <a:p>
             <a:pPr lvl="2"/>
             <a:r>
-              <a:rPr lang="zh-CN" altLang="en-US" smtClean="0"/>
+              <a:rPr lang="zh-CN" altLang="en-US"/>
               <a:t>第三级</a:t>
             </a:r>
-            <a:endParaRPr lang="zh-CN" altLang="en-US" smtClean="0"/>
           </a:p>
           <a:p>
             <a:pPr lvl="3"/>
             <a:r>
-              <a:rPr lang="zh-CN" altLang="en-US" smtClean="0"/>
+              <a:rPr lang="zh-CN" altLang="en-US"/>
               <a:t>第四级</a:t>
             </a:r>
-            <a:endParaRPr lang="zh-CN" altLang="en-US" smtClean="0"/>
           </a:p>
           <a:p>
             <a:pPr lvl="4"/>
             <a:r>
-              <a:rPr lang="zh-CN" altLang="en-US" smtClean="0"/>
+              <a:rPr lang="zh-CN" altLang="en-US"/>
               <a:t>第五级</a:t>
             </a:r>
-            <a:endParaRPr lang="zh-CN" altLang="en-US"/>
           </a:p>
         </p:txBody>
       </p:sp>
@@ -532,6 +538,7 @@
           <a:p>
             <a:fld id="{A6837353-30EB-4A48-80EB-173D804AEFBD}" type="slidenum">
               <a:rPr lang="zh-CN" altLang="en-US" smtClean="0"/>
+              <a:t>‹#›</a:t>
             </a:fld>
             <a:endParaRPr lang="zh-CN" altLang="en-US"/>
           </a:p>
@@ -661,7 +668,7 @@
           <p:nvPr>
             <p:ph type="ctrTitle"/>
             <p:custDataLst>
-              <p:tags r:id="rId2"/>
+              <p:tags r:id="rId1"/>
             </p:custDataLst>
           </p:nvPr>
         </p:nvSpPr>
@@ -685,7 +692,6 @@
               <a:rPr lang="zh-CN" altLang="en-US" dirty="0"/>
               <a:t>单击此处编辑母版标题样式</a:t>
             </a:r>
-            <a:endParaRPr lang="zh-CN" altLang="en-US" dirty="0"/>
           </a:p>
         </p:txBody>
       </p:sp>
@@ -698,7 +704,7 @@
           <p:nvPr>
             <p:ph type="subTitle" idx="1"/>
             <p:custDataLst>
-              <p:tags r:id="rId3"/>
+              <p:tags r:id="rId2"/>
             </p:custDataLst>
           </p:nvPr>
         </p:nvSpPr>
@@ -758,7 +764,6 @@
               <a:rPr lang="zh-CN" altLang="en-US" dirty="0"/>
               <a:t>单击此处编辑母版副标题样式</a:t>
             </a:r>
-            <a:endParaRPr lang="zh-CN" altLang="en-US" dirty="0"/>
           </a:p>
         </p:txBody>
       </p:sp>
@@ -771,7 +776,7 @@
           <p:nvPr>
             <p:ph type="dt" sz="half" idx="10"/>
             <p:custDataLst>
-              <p:tags r:id="rId4"/>
+              <p:tags r:id="rId3"/>
             </p:custDataLst>
           </p:nvPr>
         </p:nvSpPr>
@@ -782,6 +787,7 @@
           <a:p>
             <a:fld id="{760FBDFE-C587-4B4C-A407-44438C67B59E}" type="datetimeFigureOut">
               <a:rPr lang="zh-CN" altLang="en-US" smtClean="0"/>
+              <a:t>2025/10/21</a:t>
             </a:fld>
             <a:endParaRPr lang="zh-CN" altLang="en-US"/>
           </a:p>
@@ -796,7 +802,7 @@
           <p:nvPr>
             <p:ph type="ftr" sz="quarter" idx="11"/>
             <p:custDataLst>
-              <p:tags r:id="rId5"/>
+              <p:tags r:id="rId4"/>
             </p:custDataLst>
           </p:nvPr>
         </p:nvSpPr>
@@ -818,7 +824,7 @@
           <p:nvPr>
             <p:ph type="sldNum" sz="quarter" idx="12"/>
             <p:custDataLst>
-              <p:tags r:id="rId6"/>
+              <p:tags r:id="rId5"/>
             </p:custDataLst>
           </p:nvPr>
         </p:nvSpPr>
@@ -829,6 +835,7 @@
           <a:p>
             <a:fld id="{49AE70B2-8BF9-45C0-BB95-33D1B9D3A854}" type="slidenum">
               <a:rPr lang="zh-CN" altLang="en-US" smtClean="0"/>
+              <a:t>‹#›</a:t>
             </a:fld>
             <a:endParaRPr lang="zh-CN" altLang="en-US" dirty="0"/>
           </a:p>
@@ -868,7 +875,7 @@
           <p:nvPr>
             <p:ph type="dt" sz="half" idx="10"/>
             <p:custDataLst>
-              <p:tags r:id="rId2"/>
+              <p:tags r:id="rId1"/>
             </p:custDataLst>
           </p:nvPr>
         </p:nvSpPr>
@@ -879,6 +886,7 @@
           <a:p>
             <a:fld id="{760FBDFE-C587-4B4C-A407-44438C67B59E}" type="datetimeFigureOut">
               <a:rPr lang="zh-CN" altLang="en-US" smtClean="0"/>
+              <a:t>2025/10/21</a:t>
             </a:fld>
             <a:endParaRPr lang="zh-CN" altLang="en-US"/>
           </a:p>
@@ -893,7 +901,7 @@
           <p:nvPr>
             <p:ph type="ftr" sz="quarter" idx="11"/>
             <p:custDataLst>
-              <p:tags r:id="rId3"/>
+              <p:tags r:id="rId2"/>
             </p:custDataLst>
           </p:nvPr>
         </p:nvSpPr>
@@ -915,7 +923,7 @@
           <p:nvPr>
             <p:ph type="sldNum" sz="quarter" idx="12"/>
             <p:custDataLst>
-              <p:tags r:id="rId4"/>
+              <p:tags r:id="rId3"/>
             </p:custDataLst>
           </p:nvPr>
         </p:nvSpPr>
@@ -926,6 +934,7 @@
           <a:p>
             <a:fld id="{49AE70B2-8BF9-45C0-BB95-33D1B9D3A854}" type="slidenum">
               <a:rPr lang="zh-CN" altLang="en-US" smtClean="0"/>
+              <a:t>‹#›</a:t>
             </a:fld>
             <a:endParaRPr lang="zh-CN" altLang="en-US"/>
           </a:p>
@@ -940,7 +949,7 @@
           <p:nvPr>
             <p:ph sz="quarter" idx="13"/>
             <p:custDataLst>
-              <p:tags r:id="rId5"/>
+              <p:tags r:id="rId4"/>
             </p:custDataLst>
           </p:nvPr>
         </p:nvSpPr>
@@ -959,7 +968,6 @@
               <a:rPr lang="zh-CN" altLang="en-US" dirty="0"/>
               <a:t>单击此处编辑母版文本样式</a:t>
             </a:r>
-            <a:endParaRPr lang="zh-CN" altLang="en-US" dirty="0"/>
           </a:p>
           <a:p>
             <a:pPr lvl="1"/>
@@ -967,7 +975,6 @@
               <a:rPr lang="zh-CN" altLang="en-US" dirty="0"/>
               <a:t>第二级</a:t>
             </a:r>
-            <a:endParaRPr lang="zh-CN" altLang="en-US" dirty="0"/>
           </a:p>
           <a:p>
             <a:pPr lvl="2"/>
@@ -975,7 +982,6 @@
               <a:rPr lang="zh-CN" altLang="en-US" dirty="0"/>
               <a:t>第三级</a:t>
             </a:r>
-            <a:endParaRPr lang="zh-CN" altLang="en-US" dirty="0"/>
           </a:p>
           <a:p>
             <a:pPr lvl="3"/>
@@ -983,7 +989,6 @@
               <a:rPr lang="zh-CN" altLang="en-US" dirty="0"/>
               <a:t>第四级</a:t>
             </a:r>
-            <a:endParaRPr lang="zh-CN" altLang="en-US" dirty="0"/>
           </a:p>
           <a:p>
             <a:pPr lvl="4"/>
@@ -991,7 +996,6 @@
               <a:rPr lang="zh-CN" altLang="en-US" dirty="0"/>
               <a:t>第五级</a:t>
             </a:r>
-            <a:endParaRPr lang="zh-CN" altLang="en-US" dirty="0"/>
           </a:p>
         </p:txBody>
       </p:sp>
@@ -1029,7 +1033,7 @@
           <p:nvPr>
             <p:ph type="dt" sz="half" idx="10"/>
             <p:custDataLst>
-              <p:tags r:id="rId2"/>
+              <p:tags r:id="rId1"/>
             </p:custDataLst>
           </p:nvPr>
         </p:nvSpPr>
@@ -1040,6 +1044,7 @@
           <a:p>
             <a:fld id="{760FBDFE-C587-4B4C-A407-44438C67B59E}" type="datetimeFigureOut">
               <a:rPr lang="zh-CN" altLang="en-US" smtClean="0"/>
+              <a:t>2025/10/21</a:t>
             </a:fld>
             <a:endParaRPr lang="zh-CN" altLang="en-US"/>
           </a:p>
@@ -1054,7 +1059,7 @@
           <p:nvPr>
             <p:ph type="ftr" sz="quarter" idx="11"/>
             <p:custDataLst>
-              <p:tags r:id="rId3"/>
+              <p:tags r:id="rId2"/>
             </p:custDataLst>
           </p:nvPr>
         </p:nvSpPr>
@@ -1076,7 +1081,7 @@
           <p:nvPr>
             <p:ph type="sldNum" sz="quarter" idx="12"/>
             <p:custDataLst>
-              <p:tags r:id="rId4"/>
+              <p:tags r:id="rId3"/>
             </p:custDataLst>
           </p:nvPr>
         </p:nvSpPr>
@@ -1087,6 +1092,7 @@
           <a:p>
             <a:fld id="{49AE70B2-8BF9-45C0-BB95-33D1B9D3A854}" type="slidenum">
               <a:rPr lang="zh-CN" altLang="en-US" smtClean="0"/>
+              <a:t>‹#›</a:t>
             </a:fld>
             <a:endParaRPr lang="zh-CN" altLang="en-US"/>
           </a:p>
@@ -1101,7 +1107,7 @@
           <p:nvPr>
             <p:ph type="title" hasCustomPrompt="1"/>
             <p:custDataLst>
-              <p:tags r:id="rId5"/>
+              <p:tags r:id="rId4"/>
             </p:custDataLst>
           </p:nvPr>
         </p:nvSpPr>
@@ -1123,10 +1129,9 @@
           <a:p>
             <a:pPr lvl="0"/>
             <a:r>
-              <a:rPr lang="zh-CN" altLang="en-US" smtClean="0"/>
+              <a:rPr lang="zh-CN" altLang="en-US"/>
               <a:t>单击此处编辑标题</a:t>
             </a:r>
-            <a:endParaRPr lang="zh-CN" altLang="en-US"/>
           </a:p>
         </p:txBody>
       </p:sp>
@@ -1139,7 +1144,7 @@
           <p:nvPr>
             <p:ph type="body" sz="quarter" idx="13"/>
             <p:custDataLst>
-              <p:tags r:id="rId6"/>
+              <p:tags r:id="rId5"/>
             </p:custDataLst>
           </p:nvPr>
         </p:nvSpPr>
@@ -1168,7 +1173,6 @@
               <a:rPr lang="zh-CN" altLang="en-US" dirty="0"/>
               <a:t>单击此处编辑母版文本样式</a:t>
             </a:r>
-            <a:endParaRPr lang="zh-CN" altLang="en-US" dirty="0"/>
           </a:p>
         </p:txBody>
       </p:sp>
@@ -1206,7 +1210,7 @@
           <p:nvPr>
             <p:ph type="title"/>
             <p:custDataLst>
-              <p:tags r:id="rId2"/>
+              <p:tags r:id="rId1"/>
             </p:custDataLst>
           </p:nvPr>
         </p:nvSpPr>
@@ -1224,10 +1228,9 @@
           <a:p>
             <a:pPr lvl="0"/>
             <a:r>
-              <a:rPr lang="zh-CN" altLang="en-US" smtClean="0"/>
+              <a:rPr lang="zh-CN" altLang="en-US"/>
               <a:t>单击此处编辑母版标题样式</a:t>
             </a:r>
-            <a:endParaRPr lang="zh-CN" altLang="en-US"/>
           </a:p>
         </p:txBody>
       </p:sp>
@@ -1240,7 +1243,7 @@
           <p:nvPr>
             <p:ph idx="1"/>
             <p:custDataLst>
-              <p:tags r:id="rId3"/>
+              <p:tags r:id="rId2"/>
             </p:custDataLst>
           </p:nvPr>
         </p:nvSpPr>
@@ -1258,42 +1261,37 @@
           <a:p>
             <a:pPr lvl="0"/>
             <a:r>
-              <a:rPr lang="zh-CN" altLang="en-US" smtClean="0"/>
+              <a:rPr lang="zh-CN" altLang="en-US"/>
               <a:t>单击此处编辑母版文本样式</a:t>
             </a:r>
-            <a:endParaRPr lang="zh-CN" altLang="en-US" smtClean="0"/>
           </a:p>
           <a:p>
             <a:pPr lvl="1"/>
             <a:r>
-              <a:rPr lang="zh-CN" altLang="en-US" smtClean="0"/>
+              <a:rPr lang="zh-CN" altLang="en-US"/>
               <a:t>第二级</a:t>
             </a:r>
-            <a:endParaRPr lang="zh-CN" altLang="en-US" smtClean="0"/>
           </a:p>
           <a:p>
             <a:pPr lvl="2"/>
             <a:r>
-              <a:rPr lang="zh-CN" altLang="en-US" smtClean="0"/>
+              <a:rPr lang="zh-CN" altLang="en-US"/>
               <a:t>第三级</a:t>
             </a:r>
-            <a:endParaRPr lang="zh-CN" altLang="en-US" smtClean="0"/>
           </a:p>
           <a:p>
             <a:pPr lvl="3"/>
             <a:r>
-              <a:rPr lang="zh-CN" altLang="en-US" smtClean="0"/>
+              <a:rPr lang="zh-CN" altLang="en-US"/>
               <a:t>第四级</a:t>
             </a:r>
-            <a:endParaRPr lang="zh-CN" altLang="en-US" smtClean="0"/>
           </a:p>
           <a:p>
             <a:pPr lvl="4"/>
             <a:r>
-              <a:rPr lang="zh-CN" altLang="en-US" smtClean="0"/>
+              <a:rPr lang="zh-CN" altLang="en-US"/>
               <a:t>第五级</a:t>
             </a:r>
-            <a:endParaRPr lang="zh-CN" altLang="en-US"/>
           </a:p>
         </p:txBody>
       </p:sp>
@@ -1306,7 +1304,7 @@
           <p:nvPr>
             <p:ph type="dt" sz="half" idx="10"/>
             <p:custDataLst>
-              <p:tags r:id="rId4"/>
+              <p:tags r:id="rId3"/>
             </p:custDataLst>
           </p:nvPr>
         </p:nvSpPr>
@@ -1317,6 +1315,7 @@
           <a:p>
             <a:fld id="{760FBDFE-C587-4B4C-A407-44438C67B59E}" type="datetimeFigureOut">
               <a:rPr lang="zh-CN" altLang="en-US" smtClean="0"/>
+              <a:t>2025/10/21</a:t>
             </a:fld>
             <a:endParaRPr lang="zh-CN" altLang="en-US"/>
           </a:p>
@@ -1331,7 +1330,7 @@
           <p:nvPr>
             <p:ph type="ftr" sz="quarter" idx="11"/>
             <p:custDataLst>
-              <p:tags r:id="rId5"/>
+              <p:tags r:id="rId4"/>
             </p:custDataLst>
           </p:nvPr>
         </p:nvSpPr>
@@ -1353,7 +1352,7 @@
           <p:nvPr>
             <p:ph type="sldNum" sz="quarter" idx="12"/>
             <p:custDataLst>
-              <p:tags r:id="rId6"/>
+              <p:tags r:id="rId5"/>
             </p:custDataLst>
           </p:nvPr>
         </p:nvSpPr>
@@ -1364,6 +1363,7 @@
           <a:p>
             <a:fld id="{49AE70B2-8BF9-45C0-BB95-33D1B9D3A854}" type="slidenum">
               <a:rPr lang="zh-CN" altLang="en-US" smtClean="0"/>
+              <a:t>‹#›</a:t>
             </a:fld>
             <a:endParaRPr lang="zh-CN" altLang="en-US"/>
           </a:p>
@@ -1403,7 +1403,7 @@
           <p:nvPr>
             <p:ph type="title" hasCustomPrompt="1"/>
             <p:custDataLst>
-              <p:tags r:id="rId2"/>
+              <p:tags r:id="rId1"/>
             </p:custDataLst>
           </p:nvPr>
         </p:nvSpPr>
@@ -1427,7 +1427,6 @@
               <a:rPr lang="zh-CN" altLang="en-US" dirty="0"/>
               <a:t>单击此处编辑标题</a:t>
             </a:r>
-            <a:endParaRPr lang="zh-CN" altLang="en-US" dirty="0"/>
           </a:p>
         </p:txBody>
       </p:sp>
@@ -1440,7 +1439,7 @@
           <p:nvPr>
             <p:ph type="body" idx="1" hasCustomPrompt="1"/>
             <p:custDataLst>
-              <p:tags r:id="rId3"/>
+              <p:tags r:id="rId2"/>
             </p:custDataLst>
           </p:nvPr>
         </p:nvSpPr>
@@ -1553,7 +1552,6 @@
               <a:rPr lang="zh-CN" altLang="en-US" dirty="0"/>
               <a:t>单击此处编辑文本</a:t>
             </a:r>
-            <a:endParaRPr lang="zh-CN" altLang="en-US" dirty="0"/>
           </a:p>
         </p:txBody>
       </p:sp>
@@ -1566,7 +1564,7 @@
           <p:nvPr>
             <p:ph type="dt" sz="half" idx="10"/>
             <p:custDataLst>
-              <p:tags r:id="rId4"/>
+              <p:tags r:id="rId3"/>
             </p:custDataLst>
           </p:nvPr>
         </p:nvSpPr>
@@ -1577,6 +1575,7 @@
           <a:p>
             <a:fld id="{760FBDFE-C587-4B4C-A407-44438C67B59E}" type="datetimeFigureOut">
               <a:rPr lang="zh-CN" altLang="en-US" smtClean="0"/>
+              <a:t>2025/10/21</a:t>
             </a:fld>
             <a:endParaRPr lang="zh-CN" altLang="en-US"/>
           </a:p>
@@ -1591,7 +1590,7 @@
           <p:nvPr>
             <p:ph type="ftr" sz="quarter" idx="11"/>
             <p:custDataLst>
-              <p:tags r:id="rId5"/>
+              <p:tags r:id="rId4"/>
             </p:custDataLst>
           </p:nvPr>
         </p:nvSpPr>
@@ -1613,7 +1612,7 @@
           <p:nvPr>
             <p:ph type="sldNum" sz="quarter" idx="12"/>
             <p:custDataLst>
-              <p:tags r:id="rId6"/>
+              <p:tags r:id="rId5"/>
             </p:custDataLst>
           </p:nvPr>
         </p:nvSpPr>
@@ -1624,6 +1623,7 @@
           <a:p>
             <a:fld id="{49AE70B2-8BF9-45C0-BB95-33D1B9D3A854}" type="slidenum">
               <a:rPr lang="zh-CN" altLang="en-US" smtClean="0"/>
+              <a:t>‹#›</a:t>
             </a:fld>
             <a:endParaRPr lang="zh-CN" altLang="en-US"/>
           </a:p>
@@ -1663,7 +1663,7 @@
           <p:nvPr>
             <p:ph type="title"/>
             <p:custDataLst>
-              <p:tags r:id="rId2"/>
+              <p:tags r:id="rId1"/>
             </p:custDataLst>
           </p:nvPr>
         </p:nvSpPr>
@@ -1681,10 +1681,9 @@
           <a:p>
             <a:pPr lvl="0"/>
             <a:r>
-              <a:rPr lang="zh-CN" altLang="en-US" smtClean="0"/>
+              <a:rPr lang="zh-CN" altLang="en-US"/>
               <a:t>单击此处编辑母版标题样式</a:t>
             </a:r>
-            <a:endParaRPr lang="zh-CN" altLang="en-US"/>
           </a:p>
         </p:txBody>
       </p:sp>
@@ -1697,7 +1696,7 @@
           <p:nvPr>
             <p:ph sz="half" idx="1"/>
             <p:custDataLst>
-              <p:tags r:id="rId3"/>
+              <p:tags r:id="rId2"/>
             </p:custDataLst>
           </p:nvPr>
         </p:nvSpPr>
@@ -1715,42 +1714,37 @@
           <a:p>
             <a:pPr lvl="0"/>
             <a:r>
-              <a:rPr lang="zh-CN" altLang="en-US" smtClean="0"/>
+              <a:rPr lang="zh-CN" altLang="en-US"/>
               <a:t>单击此处编辑母版文本样式</a:t>
             </a:r>
-            <a:endParaRPr lang="zh-CN" altLang="en-US" smtClean="0"/>
           </a:p>
           <a:p>
             <a:pPr lvl="1"/>
             <a:r>
-              <a:rPr lang="zh-CN" altLang="en-US" smtClean="0"/>
+              <a:rPr lang="zh-CN" altLang="en-US"/>
               <a:t>第二级</a:t>
             </a:r>
-            <a:endParaRPr lang="zh-CN" altLang="en-US" smtClean="0"/>
           </a:p>
           <a:p>
             <a:pPr lvl="2"/>
             <a:r>
-              <a:rPr lang="zh-CN" altLang="en-US" smtClean="0"/>
+              <a:rPr lang="zh-CN" altLang="en-US"/>
               <a:t>第三级</a:t>
             </a:r>
-            <a:endParaRPr lang="zh-CN" altLang="en-US" smtClean="0"/>
           </a:p>
           <a:p>
             <a:pPr lvl="3"/>
             <a:r>
-              <a:rPr lang="zh-CN" altLang="en-US" smtClean="0"/>
+              <a:rPr lang="zh-CN" altLang="en-US"/>
               <a:t>第四级</a:t>
             </a:r>
-            <a:endParaRPr lang="zh-CN" altLang="en-US" smtClean="0"/>
           </a:p>
           <a:p>
             <a:pPr lvl="4"/>
             <a:r>
-              <a:rPr lang="zh-CN" altLang="en-US" smtClean="0"/>
+              <a:rPr lang="zh-CN" altLang="en-US"/>
               <a:t>第五级</a:t>
             </a:r>
-            <a:endParaRPr lang="zh-CN" altLang="en-US"/>
           </a:p>
         </p:txBody>
       </p:sp>
@@ -1763,7 +1757,7 @@
           <p:nvPr>
             <p:ph sz="half" idx="2"/>
             <p:custDataLst>
-              <p:tags r:id="rId4"/>
+              <p:tags r:id="rId3"/>
             </p:custDataLst>
           </p:nvPr>
         </p:nvSpPr>
@@ -1784,7 +1778,6 @@
               <a:rPr lang="zh-CN" altLang="en-US" dirty="0"/>
               <a:t>单击此处编辑母版文本样式</a:t>
             </a:r>
-            <a:endParaRPr lang="zh-CN" altLang="en-US" dirty="0"/>
           </a:p>
           <a:p>
             <a:pPr lvl="1"/>
@@ -1792,7 +1785,6 @@
               <a:rPr lang="zh-CN" altLang="en-US" dirty="0"/>
               <a:t>第二级</a:t>
             </a:r>
-            <a:endParaRPr lang="zh-CN" altLang="en-US" dirty="0"/>
           </a:p>
           <a:p>
             <a:pPr lvl="2"/>
@@ -1800,7 +1792,6 @@
               <a:rPr lang="zh-CN" altLang="en-US" dirty="0"/>
               <a:t>第三级</a:t>
             </a:r>
-            <a:endParaRPr lang="zh-CN" altLang="en-US" dirty="0"/>
           </a:p>
           <a:p>
             <a:pPr lvl="3"/>
@@ -1808,7 +1799,6 @@
               <a:rPr lang="zh-CN" altLang="en-US" dirty="0"/>
               <a:t>第四级</a:t>
             </a:r>
-            <a:endParaRPr lang="zh-CN" altLang="en-US" dirty="0"/>
           </a:p>
           <a:p>
             <a:pPr lvl="4"/>
@@ -1816,7 +1806,6 @@
               <a:rPr lang="zh-CN" altLang="en-US" dirty="0"/>
               <a:t>第五级</a:t>
             </a:r>
-            <a:endParaRPr lang="zh-CN" altLang="en-US" dirty="0"/>
           </a:p>
         </p:txBody>
       </p:sp>
@@ -1829,7 +1818,7 @@
           <p:nvPr>
             <p:ph type="dt" sz="half" idx="10"/>
             <p:custDataLst>
-              <p:tags r:id="rId5"/>
+              <p:tags r:id="rId4"/>
             </p:custDataLst>
           </p:nvPr>
         </p:nvSpPr>
@@ -1840,6 +1829,7 @@
           <a:p>
             <a:fld id="{760FBDFE-C587-4B4C-A407-44438C67B59E}" type="datetimeFigureOut">
               <a:rPr lang="zh-CN" altLang="en-US" smtClean="0"/>
+              <a:t>2025/10/21</a:t>
             </a:fld>
             <a:endParaRPr lang="zh-CN" altLang="en-US"/>
           </a:p>
@@ -1854,7 +1844,7 @@
           <p:nvPr>
             <p:ph type="ftr" sz="quarter" idx="11"/>
             <p:custDataLst>
-              <p:tags r:id="rId6"/>
+              <p:tags r:id="rId5"/>
             </p:custDataLst>
           </p:nvPr>
         </p:nvSpPr>
@@ -1876,7 +1866,7 @@
           <p:nvPr>
             <p:ph type="sldNum" sz="quarter" idx="12"/>
             <p:custDataLst>
-              <p:tags r:id="rId7"/>
+              <p:tags r:id="rId6"/>
             </p:custDataLst>
           </p:nvPr>
         </p:nvSpPr>
@@ -1887,6 +1877,7 @@
           <a:p>
             <a:fld id="{49AE70B2-8BF9-45C0-BB95-33D1B9D3A854}" type="slidenum">
               <a:rPr lang="zh-CN" altLang="en-US" smtClean="0"/>
+              <a:t>‹#›</a:t>
             </a:fld>
             <a:endParaRPr lang="zh-CN" altLang="en-US"/>
           </a:p>
@@ -1926,7 +1917,7 @@
           <p:nvPr>
             <p:ph type="title"/>
             <p:custDataLst>
-              <p:tags r:id="rId2"/>
+              <p:tags r:id="rId1"/>
             </p:custDataLst>
           </p:nvPr>
         </p:nvSpPr>
@@ -1944,10 +1935,9 @@
           <a:p>
             <a:pPr lvl="0"/>
             <a:r>
-              <a:rPr lang="zh-CN" altLang="en-US" smtClean="0"/>
+              <a:rPr lang="zh-CN" altLang="en-US"/>
               <a:t>单击此处编辑母版标题样式</a:t>
             </a:r>
-            <a:endParaRPr lang="zh-CN" altLang="en-US"/>
           </a:p>
         </p:txBody>
       </p:sp>
@@ -1960,7 +1950,7 @@
           <p:nvPr>
             <p:ph type="body" idx="1" hasCustomPrompt="1"/>
             <p:custDataLst>
-              <p:tags r:id="rId3"/>
+              <p:tags r:id="rId2"/>
             </p:custDataLst>
           </p:nvPr>
         </p:nvSpPr>
@@ -2028,7 +2018,6 @@
               <a:rPr lang="zh-CN" altLang="en-US" dirty="0"/>
               <a:t>单击此处编辑文本</a:t>
             </a:r>
-            <a:endParaRPr lang="zh-CN" altLang="en-US" dirty="0"/>
           </a:p>
         </p:txBody>
       </p:sp>
@@ -2041,7 +2030,7 @@
           <p:nvPr>
             <p:ph sz="half" idx="2"/>
             <p:custDataLst>
-              <p:tags r:id="rId4"/>
+              <p:tags r:id="rId3"/>
             </p:custDataLst>
           </p:nvPr>
         </p:nvSpPr>
@@ -2059,42 +2048,37 @@
           <a:p>
             <a:pPr lvl="0"/>
             <a:r>
-              <a:rPr lang="zh-CN" altLang="en-US" smtClean="0"/>
+              <a:rPr lang="zh-CN" altLang="en-US"/>
               <a:t>单击此处编辑母版文本样式</a:t>
             </a:r>
-            <a:endParaRPr lang="zh-CN" altLang="en-US" smtClean="0"/>
           </a:p>
           <a:p>
             <a:pPr lvl="1"/>
             <a:r>
-              <a:rPr lang="zh-CN" altLang="en-US" smtClean="0"/>
+              <a:rPr lang="zh-CN" altLang="en-US"/>
               <a:t>第二级</a:t>
             </a:r>
-            <a:endParaRPr lang="zh-CN" altLang="en-US" smtClean="0"/>
           </a:p>
           <a:p>
             <a:pPr lvl="2"/>
             <a:r>
-              <a:rPr lang="zh-CN" altLang="en-US" smtClean="0"/>
+              <a:rPr lang="zh-CN" altLang="en-US"/>
               <a:t>第三级</a:t>
             </a:r>
-            <a:endParaRPr lang="zh-CN" altLang="en-US" smtClean="0"/>
           </a:p>
           <a:p>
             <a:pPr lvl="3"/>
             <a:r>
-              <a:rPr lang="zh-CN" altLang="en-US" smtClean="0"/>
+              <a:rPr lang="zh-CN" altLang="en-US"/>
               <a:t>第四级</a:t>
             </a:r>
-            <a:endParaRPr lang="zh-CN" altLang="en-US" smtClean="0"/>
           </a:p>
           <a:p>
             <a:pPr lvl="4"/>
             <a:r>
-              <a:rPr lang="zh-CN" altLang="en-US" smtClean="0"/>
+              <a:rPr lang="zh-CN" altLang="en-US"/>
               <a:t>第五级</a:t>
             </a:r>
-            <a:endParaRPr lang="zh-CN" altLang="en-US"/>
           </a:p>
         </p:txBody>
       </p:sp>
@@ -2107,7 +2091,7 @@
           <p:nvPr>
             <p:ph type="body" sz="quarter" idx="3" hasCustomPrompt="1"/>
             <p:custDataLst>
-              <p:tags r:id="rId5"/>
+              <p:tags r:id="rId4"/>
             </p:custDataLst>
           </p:nvPr>
         </p:nvSpPr>
@@ -2172,10 +2156,9 @@
           <a:p>
             <a:pPr lvl="0"/>
             <a:r>
-              <a:rPr lang="zh-CN" altLang="en-US" smtClean="0"/>
+              <a:rPr lang="zh-CN" altLang="en-US"/>
               <a:t>单击此处编辑文本</a:t>
             </a:r>
-            <a:endParaRPr lang="zh-CN" altLang="en-US"/>
           </a:p>
         </p:txBody>
       </p:sp>
@@ -2188,7 +2171,7 @@
           <p:nvPr>
             <p:ph sz="quarter" idx="4"/>
             <p:custDataLst>
-              <p:tags r:id="rId6"/>
+              <p:tags r:id="rId5"/>
             </p:custDataLst>
           </p:nvPr>
         </p:nvSpPr>
@@ -2206,42 +2189,37 @@
           <a:p>
             <a:pPr lvl="0"/>
             <a:r>
-              <a:rPr lang="zh-CN" altLang="en-US" smtClean="0"/>
+              <a:rPr lang="zh-CN" altLang="en-US"/>
               <a:t>单击此处编辑母版文本样式</a:t>
             </a:r>
-            <a:endParaRPr lang="zh-CN" altLang="en-US" smtClean="0"/>
           </a:p>
           <a:p>
             <a:pPr lvl="1"/>
             <a:r>
-              <a:rPr lang="zh-CN" altLang="en-US" smtClean="0"/>
+              <a:rPr lang="zh-CN" altLang="en-US"/>
               <a:t>第二级</a:t>
             </a:r>
-            <a:endParaRPr lang="zh-CN" altLang="en-US" smtClean="0"/>
           </a:p>
           <a:p>
             <a:pPr lvl="2"/>
             <a:r>
-              <a:rPr lang="zh-CN" altLang="en-US" smtClean="0"/>
+              <a:rPr lang="zh-CN" altLang="en-US"/>
               <a:t>第三级</a:t>
             </a:r>
-            <a:endParaRPr lang="zh-CN" altLang="en-US" smtClean="0"/>
           </a:p>
           <a:p>
             <a:pPr lvl="3"/>
             <a:r>
-              <a:rPr lang="zh-CN" altLang="en-US" smtClean="0"/>
+              <a:rPr lang="zh-CN" altLang="en-US"/>
               <a:t>第四级</a:t>
             </a:r>
-            <a:endParaRPr lang="zh-CN" altLang="en-US" smtClean="0"/>
           </a:p>
           <a:p>
             <a:pPr lvl="4"/>
             <a:r>
-              <a:rPr lang="zh-CN" altLang="en-US" smtClean="0"/>
+              <a:rPr lang="zh-CN" altLang="en-US"/>
               <a:t>第五级</a:t>
             </a:r>
-            <a:endParaRPr lang="zh-CN" altLang="en-US"/>
           </a:p>
         </p:txBody>
       </p:sp>
@@ -2254,7 +2232,7 @@
           <p:nvPr>
             <p:ph type="dt" sz="half" idx="10"/>
             <p:custDataLst>
-              <p:tags r:id="rId7"/>
+              <p:tags r:id="rId6"/>
             </p:custDataLst>
           </p:nvPr>
         </p:nvSpPr>
@@ -2265,6 +2243,7 @@
           <a:p>
             <a:fld id="{760FBDFE-C587-4B4C-A407-44438C67B59E}" type="datetimeFigureOut">
               <a:rPr lang="zh-CN" altLang="en-US" smtClean="0"/>
+              <a:t>2025/10/21</a:t>
             </a:fld>
             <a:endParaRPr lang="zh-CN" altLang="en-US"/>
           </a:p>
@@ -2279,7 +2258,7 @@
           <p:nvPr>
             <p:ph type="ftr" sz="quarter" idx="11"/>
             <p:custDataLst>
-              <p:tags r:id="rId8"/>
+              <p:tags r:id="rId7"/>
             </p:custDataLst>
           </p:nvPr>
         </p:nvSpPr>
@@ -2301,7 +2280,7 @@
           <p:nvPr>
             <p:ph type="sldNum" sz="quarter" idx="12"/>
             <p:custDataLst>
-              <p:tags r:id="rId9"/>
+              <p:tags r:id="rId8"/>
             </p:custDataLst>
           </p:nvPr>
         </p:nvSpPr>
@@ -2312,6 +2291,7 @@
           <a:p>
             <a:fld id="{49AE70B2-8BF9-45C0-BB95-33D1B9D3A854}" type="slidenum">
               <a:rPr lang="zh-CN" altLang="en-US" smtClean="0"/>
+              <a:t>‹#›</a:t>
             </a:fld>
             <a:endParaRPr lang="zh-CN" altLang="en-US"/>
           </a:p>
@@ -2351,7 +2331,7 @@
           <p:nvPr>
             <p:ph type="title"/>
             <p:custDataLst>
-              <p:tags r:id="rId2"/>
+              <p:tags r:id="rId1"/>
             </p:custDataLst>
           </p:nvPr>
         </p:nvSpPr>
@@ -2369,10 +2349,9 @@
           <a:p>
             <a:pPr lvl="0"/>
             <a:r>
-              <a:rPr lang="zh-CN" altLang="en-US" smtClean="0"/>
+              <a:rPr lang="zh-CN" altLang="en-US"/>
               <a:t>单击此处编辑母版标题样式</a:t>
             </a:r>
-            <a:endParaRPr lang="zh-CN" altLang="en-US"/>
           </a:p>
         </p:txBody>
       </p:sp>
@@ -2385,7 +2364,7 @@
           <p:nvPr>
             <p:ph type="dt" sz="half" idx="10"/>
             <p:custDataLst>
-              <p:tags r:id="rId3"/>
+              <p:tags r:id="rId2"/>
             </p:custDataLst>
           </p:nvPr>
         </p:nvSpPr>
@@ -2396,6 +2375,7 @@
           <a:p>
             <a:fld id="{760FBDFE-C587-4B4C-A407-44438C67B59E}" type="datetimeFigureOut">
               <a:rPr lang="zh-CN" altLang="en-US" smtClean="0"/>
+              <a:t>2025/10/21</a:t>
             </a:fld>
             <a:endParaRPr lang="zh-CN" altLang="en-US"/>
           </a:p>
@@ -2410,7 +2390,7 @@
           <p:nvPr>
             <p:ph type="ftr" sz="quarter" idx="11"/>
             <p:custDataLst>
-              <p:tags r:id="rId4"/>
+              <p:tags r:id="rId3"/>
             </p:custDataLst>
           </p:nvPr>
         </p:nvSpPr>
@@ -2432,7 +2412,7 @@
           <p:nvPr>
             <p:ph type="sldNum" sz="quarter" idx="12"/>
             <p:custDataLst>
-              <p:tags r:id="rId5"/>
+              <p:tags r:id="rId4"/>
             </p:custDataLst>
           </p:nvPr>
         </p:nvSpPr>
@@ -2443,6 +2423,7 @@
           <a:p>
             <a:fld id="{49AE70B2-8BF9-45C0-BB95-33D1B9D3A854}" type="slidenum">
               <a:rPr lang="zh-CN" altLang="en-US" smtClean="0"/>
+              <a:t>‹#›</a:t>
             </a:fld>
             <a:endParaRPr lang="zh-CN" altLang="en-US"/>
           </a:p>
@@ -2482,7 +2463,7 @@
           <p:nvPr>
             <p:ph type="dt" sz="half" idx="10"/>
             <p:custDataLst>
-              <p:tags r:id="rId2"/>
+              <p:tags r:id="rId1"/>
             </p:custDataLst>
           </p:nvPr>
         </p:nvSpPr>
@@ -2493,6 +2474,7 @@
           <a:p>
             <a:fld id="{760FBDFE-C587-4B4C-A407-44438C67B59E}" type="datetimeFigureOut">
               <a:rPr lang="zh-CN" altLang="en-US" smtClean="0"/>
+              <a:t>2025/10/21</a:t>
             </a:fld>
             <a:endParaRPr lang="zh-CN" altLang="en-US"/>
           </a:p>
@@ -2507,7 +2489,7 @@
           <p:nvPr>
             <p:ph type="ftr" sz="quarter" idx="11"/>
             <p:custDataLst>
-              <p:tags r:id="rId3"/>
+              <p:tags r:id="rId2"/>
             </p:custDataLst>
           </p:nvPr>
         </p:nvSpPr>
@@ -2529,7 +2511,7 @@
           <p:nvPr>
             <p:ph type="sldNum" sz="quarter" idx="12"/>
             <p:custDataLst>
-              <p:tags r:id="rId4"/>
+              <p:tags r:id="rId3"/>
             </p:custDataLst>
           </p:nvPr>
         </p:nvSpPr>
@@ -2540,6 +2522,7 @@
           <a:p>
             <a:fld id="{49AE70B2-8BF9-45C0-BB95-33D1B9D3A854}" type="slidenum">
               <a:rPr lang="zh-CN" altLang="en-US" smtClean="0"/>
+              <a:t>‹#›</a:t>
             </a:fld>
             <a:endParaRPr lang="zh-CN" altLang="en-US"/>
           </a:p>
@@ -2579,7 +2562,7 @@
           <p:nvPr>
             <p:ph type="pic" idx="1"/>
             <p:custDataLst>
-              <p:tags r:id="rId2"/>
+              <p:tags r:id="rId1"/>
             </p:custDataLst>
           </p:nvPr>
         </p:nvSpPr>
@@ -2614,7 +2597,7 @@
           <p:nvPr>
             <p:ph type="body" sz="half" idx="2"/>
             <p:custDataLst>
-              <p:tags r:id="rId3"/>
+              <p:tags r:id="rId2"/>
             </p:custDataLst>
           </p:nvPr>
         </p:nvSpPr>
@@ -2637,10 +2620,9 @@
           <a:p>
             <a:pPr lvl="0"/>
             <a:r>
-              <a:rPr lang="zh-CN" altLang="en-US" smtClean="0"/>
+              <a:rPr lang="zh-CN" altLang="en-US"/>
               <a:t>单击此处编辑母版文本样式</a:t>
             </a:r>
-            <a:endParaRPr lang="zh-CN" altLang="en-US"/>
           </a:p>
         </p:txBody>
       </p:sp>
@@ -2653,7 +2635,7 @@
           <p:nvPr>
             <p:ph type="dt" sz="half" idx="10"/>
             <p:custDataLst>
-              <p:tags r:id="rId4"/>
+              <p:tags r:id="rId3"/>
             </p:custDataLst>
           </p:nvPr>
         </p:nvSpPr>
@@ -2664,6 +2646,7 @@
           <a:p>
             <a:fld id="{9EFD9D74-47D9-4702-A33C-335B63B48DBF}" type="datetimeFigureOut">
               <a:rPr lang="zh-CN" altLang="en-US" smtClean="0"/>
+              <a:t>2025/10/21</a:t>
             </a:fld>
             <a:endParaRPr lang="zh-CN" altLang="en-US" dirty="0"/>
           </a:p>
@@ -2678,7 +2661,7 @@
           <p:nvPr>
             <p:ph type="ftr" sz="quarter" idx="11"/>
             <p:custDataLst>
-              <p:tags r:id="rId5"/>
+              <p:tags r:id="rId4"/>
             </p:custDataLst>
           </p:nvPr>
         </p:nvSpPr>
@@ -2700,7 +2683,7 @@
           <p:nvPr>
             <p:ph type="sldNum" sz="quarter" idx="12"/>
             <p:custDataLst>
-              <p:tags r:id="rId6"/>
+              <p:tags r:id="rId5"/>
             </p:custDataLst>
           </p:nvPr>
         </p:nvSpPr>
@@ -2711,6 +2694,7 @@
           <a:p>
             <a:fld id="{FABC47A4-756D-490B-A52F-7D9E2C9FC05F}" type="slidenum">
               <a:rPr lang="zh-CN" altLang="en-US" smtClean="0"/>
+              <a:t>‹#›</a:t>
             </a:fld>
             <a:endParaRPr lang="zh-CN" altLang="en-US"/>
           </a:p>
@@ -2725,19 +2709,19 @@
           <p:nvPr>
             <p:ph type="title"/>
             <p:custDataLst>
-              <p:tags r:id="rId7"/>
+              <p:tags r:id="rId6"/>
             </p:custDataLst>
           </p:nvPr>
         </p:nvSpPr>
         <p:spPr/>
         <p:txBody>
           <a:bodyPr/>
+          <a:lstStyle/>
           <a:p>
             <a:r>
               <a:rPr lang="zh-CN" altLang="en-US"/>
               <a:t>单击此处编辑母版标题样式</a:t>
             </a:r>
-            <a:endParaRPr lang="zh-CN" altLang="en-US"/>
           </a:p>
         </p:txBody>
       </p:sp>
@@ -2775,7 +2759,7 @@
           <p:nvPr>
             <p:ph type="title" orient="vert" hasCustomPrompt="1"/>
             <p:custDataLst>
-              <p:tags r:id="rId2"/>
+              <p:tags r:id="rId1"/>
             </p:custDataLst>
           </p:nvPr>
         </p:nvSpPr>
@@ -2798,10 +2782,9 @@
           <a:p>
             <a:pPr lvl="0"/>
             <a:r>
-              <a:rPr lang="zh-CN" altLang="en-US" smtClean="0"/>
+              <a:rPr lang="zh-CN" altLang="en-US"/>
               <a:t>单击此处编辑标题</a:t>
             </a:r>
-            <a:endParaRPr lang="zh-CN" altLang="en-US"/>
           </a:p>
         </p:txBody>
       </p:sp>
@@ -2814,7 +2797,7 @@
           <p:nvPr>
             <p:ph type="body" orient="vert" idx="1"/>
             <p:custDataLst>
-              <p:tags r:id="rId3"/>
+              <p:tags r:id="rId2"/>
             </p:custDataLst>
           </p:nvPr>
         </p:nvSpPr>
@@ -2852,7 +2835,6 @@
               <a:rPr lang="zh-CN" altLang="en-US" dirty="0"/>
               <a:t>单击此处编辑母版文本样式</a:t>
             </a:r>
-            <a:endParaRPr lang="zh-CN" altLang="en-US" dirty="0"/>
           </a:p>
           <a:p>
             <a:pPr lvl="1"/>
@@ -2860,7 +2842,6 @@
               <a:rPr lang="zh-CN" altLang="en-US" dirty="0"/>
               <a:t>第二级</a:t>
             </a:r>
-            <a:endParaRPr lang="zh-CN" altLang="en-US" dirty="0"/>
           </a:p>
           <a:p>
             <a:pPr lvl="2"/>
@@ -2868,7 +2849,6 @@
               <a:rPr lang="zh-CN" altLang="en-US" dirty="0"/>
               <a:t>第三级</a:t>
             </a:r>
-            <a:endParaRPr lang="zh-CN" altLang="en-US" dirty="0"/>
           </a:p>
           <a:p>
             <a:pPr lvl="3"/>
@@ -2876,7 +2856,6 @@
               <a:rPr lang="zh-CN" altLang="en-US" dirty="0"/>
               <a:t>第四级</a:t>
             </a:r>
-            <a:endParaRPr lang="zh-CN" altLang="en-US" dirty="0"/>
           </a:p>
           <a:p>
             <a:pPr lvl="4"/>
@@ -2884,7 +2863,6 @@
               <a:rPr lang="zh-CN" altLang="en-US" dirty="0"/>
               <a:t>第五级</a:t>
             </a:r>
-            <a:endParaRPr lang="zh-CN" altLang="en-US" dirty="0"/>
           </a:p>
         </p:txBody>
       </p:sp>
@@ -2897,7 +2875,7 @@
           <p:nvPr>
             <p:ph type="dt" sz="half" idx="10"/>
             <p:custDataLst>
-              <p:tags r:id="rId4"/>
+              <p:tags r:id="rId3"/>
             </p:custDataLst>
           </p:nvPr>
         </p:nvSpPr>
@@ -2908,6 +2886,7 @@
           <a:p>
             <a:fld id="{760FBDFE-C587-4B4C-A407-44438C67B59E}" type="datetimeFigureOut">
               <a:rPr lang="zh-CN" altLang="en-US" smtClean="0"/>
+              <a:t>2025/10/21</a:t>
             </a:fld>
             <a:endParaRPr lang="zh-CN" altLang="en-US"/>
           </a:p>
@@ -2922,7 +2901,7 @@
           <p:nvPr>
             <p:ph type="ftr" sz="quarter" idx="11"/>
             <p:custDataLst>
-              <p:tags r:id="rId5"/>
+              <p:tags r:id="rId4"/>
             </p:custDataLst>
           </p:nvPr>
         </p:nvSpPr>
@@ -2944,7 +2923,7 @@
           <p:nvPr>
             <p:ph type="sldNum" sz="quarter" idx="12"/>
             <p:custDataLst>
-              <p:tags r:id="rId6"/>
+              <p:tags r:id="rId5"/>
             </p:custDataLst>
           </p:nvPr>
         </p:nvSpPr>
@@ -2955,6 +2934,7 @@
           <a:p>
             <a:fld id="{49AE70B2-8BF9-45C0-BB95-33D1B9D3A854}" type="slidenum">
               <a:rPr lang="zh-CN" altLang="en-US" smtClean="0"/>
+              <a:t>‹#›</a:t>
             </a:fld>
             <a:endParaRPr lang="zh-CN" altLang="en-US"/>
           </a:p>
@@ -2999,7 +2979,7 @@
           <p:nvPr>
             <p:ph type="title"/>
             <p:custDataLst>
-              <p:tags r:id="rId12"/>
+              <p:tags r:id="rId14"/>
             </p:custDataLst>
           </p:nvPr>
         </p:nvSpPr>
@@ -3022,7 +3002,6 @@
               <a:rPr lang="zh-CN" altLang="en-US" dirty="0"/>
               <a:t>单击此处编辑母版标题样式</a:t>
             </a:r>
-            <a:endParaRPr lang="zh-CN" altLang="en-US" dirty="0"/>
           </a:p>
         </p:txBody>
       </p:sp>
@@ -3035,7 +3014,7 @@
           <p:nvPr>
             <p:ph type="body" idx="1"/>
             <p:custDataLst>
-              <p:tags r:id="rId13"/>
+              <p:tags r:id="rId15"/>
             </p:custDataLst>
           </p:nvPr>
         </p:nvSpPr>
@@ -3059,7 +3038,6 @@
               <a:rPr lang="zh-CN" altLang="en-US" dirty="0"/>
               <a:t>单击此处编辑母版文本样式</a:t>
             </a:r>
-            <a:endParaRPr lang="zh-CN" altLang="en-US" dirty="0"/>
           </a:p>
           <a:p>
             <a:pPr lvl="1"/>
@@ -3067,7 +3045,6 @@
               <a:rPr lang="zh-CN" altLang="en-US" dirty="0"/>
               <a:t>第二级</a:t>
             </a:r>
-            <a:endParaRPr lang="zh-CN" altLang="en-US" dirty="0"/>
           </a:p>
           <a:p>
             <a:pPr lvl="2"/>
@@ -3075,7 +3052,6 @@
               <a:rPr lang="zh-CN" altLang="en-US" dirty="0"/>
               <a:t>第三级</a:t>
             </a:r>
-            <a:endParaRPr lang="zh-CN" altLang="en-US" dirty="0"/>
           </a:p>
           <a:p>
             <a:pPr lvl="3"/>
@@ -3083,7 +3059,6 @@
               <a:rPr lang="zh-CN" altLang="en-US" dirty="0"/>
               <a:t>第四级</a:t>
             </a:r>
-            <a:endParaRPr lang="zh-CN" altLang="en-US" dirty="0"/>
           </a:p>
           <a:p>
             <a:pPr lvl="4"/>
@@ -3091,7 +3066,6 @@
               <a:rPr lang="zh-CN" altLang="en-US" dirty="0"/>
               <a:t>第五级</a:t>
             </a:r>
-            <a:endParaRPr lang="zh-CN" altLang="en-US" dirty="0"/>
           </a:p>
         </p:txBody>
       </p:sp>
@@ -3104,7 +3078,7 @@
           <p:nvPr>
             <p:ph type="dt" sz="half" idx="2"/>
             <p:custDataLst>
-              <p:tags r:id="rId14"/>
+              <p:tags r:id="rId16"/>
             </p:custDataLst>
           </p:nvPr>
         </p:nvSpPr>
@@ -3135,6 +3109,7 @@
           <a:p>
             <a:fld id="{760FBDFE-C587-4B4C-A407-44438C67B59E}" type="datetimeFigureOut">
               <a:rPr lang="zh-CN" altLang="en-US" smtClean="0"/>
+              <a:t>2025/10/21</a:t>
             </a:fld>
             <a:endParaRPr lang="zh-CN" altLang="en-US"/>
           </a:p>
@@ -3149,7 +3124,7 @@
           <p:nvPr>
             <p:ph type="ftr" sz="quarter" idx="3"/>
             <p:custDataLst>
-              <p:tags r:id="rId15"/>
+              <p:tags r:id="rId17"/>
             </p:custDataLst>
           </p:nvPr>
         </p:nvSpPr>
@@ -3191,7 +3166,7 @@
           <p:nvPr>
             <p:ph type="sldNum" sz="quarter" idx="4"/>
             <p:custDataLst>
-              <p:tags r:id="rId16"/>
+              <p:tags r:id="rId18"/>
             </p:custDataLst>
           </p:nvPr>
         </p:nvSpPr>
@@ -3222,6 +3197,7 @@
           <a:p>
             <a:fld id="{49AE70B2-8BF9-45C0-BB95-33D1B9D3A854}" type="slidenum">
               <a:rPr lang="zh-CN" altLang="en-US" smtClean="0"/>
+              <a:t>‹#›</a:t>
             </a:fld>
             <a:endParaRPr lang="zh-CN" altLang="en-US" dirty="0"/>
           </a:p>
@@ -3229,7 +3205,7 @@
       </p:sp>
     </p:spTree>
     <p:custDataLst>
-      <p:tags r:id="rId17"/>
+      <p:tags r:id="rId13"/>
     </p:custDataLst>
   </p:cSld>
   <p:clrMap bg1="lt1" tx1="dk1" bg2="lt2" tx2="dk2" accent1="accent1" accent2="accent2" accent3="accent3" accent4="accent4" accent5="accent5" accent6="accent6" hlink="hlink" folHlink="folHlink"/>
@@ -3600,7 +3576,7 @@
           <p:nvPr/>
         </p:nvPicPr>
         <p:blipFill>
-          <a:blip r:embed="rId1"/>
+          <a:blip r:embed="rId3"/>
           <a:stretch>
             <a:fillRect/>
           </a:stretch>
@@ -3617,7 +3593,7 @@
       </p:pic>
     </p:spTree>
     <p:custDataLst>
-      <p:tags r:id="rId2"/>
+      <p:tags r:id="rId1"/>
     </p:custDataLst>
   </p:cSld>
   <p:clrMapOvr>
@@ -3635,7 +3611,14 @@
         <p:cNvGrpSpPr/>
         <p:nvPr/>
       </p:nvGrpSpPr>
-      <p:grpSpPr/>
+      <p:grpSpPr>
+        <a:xfrm>
+          <a:off x="0" y="0"/>
+          <a:ext cx="0" cy="0"/>
+          <a:chOff x="0" y="0"/>
+          <a:chExt cx="0" cy="0"/>
+        </a:xfrm>
+      </p:grpSpPr>
       <p:sp>
         <p:nvSpPr>
           <p:cNvPr id="2" name="文本框 1"/>
@@ -3644,8 +3627,8 @@
         </p:nvSpPr>
         <p:spPr>
           <a:xfrm>
-            <a:off x="951865" y="123825"/>
-            <a:ext cx="1912620" cy="645160"/>
+            <a:off x="951864" y="123825"/>
+            <a:ext cx="3937905" cy="2031325"/>
           </a:xfrm>
           <a:prstGeom prst="rect">
             <a:avLst/>
@@ -3656,23 +3639,85 @@
           <a:bodyPr wrap="square" rtlCol="0">
             <a:spAutoFit/>
           </a:bodyPr>
-          <a:p>
-            <a:r>
-              <a:rPr lang="zh-CN" altLang="en-US"/>
+          <a:lstStyle/>
+          <a:p>
+            <a:r>
+              <a:rPr lang="zh-CN" altLang="en-US" dirty="0"/>
               <a:t>组件</a:t>
             </a:r>
             <a:r>
-              <a:rPr lang="en-US" altLang="zh-CN"/>
+              <a:rPr lang="en-US" altLang="zh-CN" dirty="0"/>
               <a:t>：</a:t>
             </a:r>
-            <a:endParaRPr lang="en-US" altLang="zh-CN"/>
-          </a:p>
-          <a:p>
-            <a:r>
-              <a:rPr lang="en-US" altLang="zh-CN"/>
+          </a:p>
+          <a:p>
+            <a:r>
+              <a:rPr lang="en-US" altLang="zh-CN" dirty="0"/>
               <a:t>1.route 53</a:t>
             </a:r>
-            <a:endParaRPr lang="en-US" altLang="zh-CN"/>
+          </a:p>
+          <a:p>
+            <a:r>
+              <a:rPr lang="en-US" altLang="zh-CN" dirty="0"/>
+              <a:t>2.WAF</a:t>
+            </a:r>
+          </a:p>
+          <a:p>
+            <a:r>
+              <a:rPr lang="en-US" altLang="zh-CN" dirty="0"/>
+              <a:t>3.VPC(</a:t>
+            </a:r>
+            <a:r>
+              <a:rPr lang="fr-FR" altLang="zh-CN" dirty="0"/>
+              <a:t>internet </a:t>
+            </a:r>
+            <a:r>
+              <a:rPr lang="fr-FR" altLang="zh-CN" dirty="0" err="1"/>
+              <a:t>gateway</a:t>
+            </a:r>
+            <a:r>
+              <a:rPr lang="fr-CA" altLang="zh-CN" dirty="0"/>
+              <a:t>,NAT </a:t>
+            </a:r>
+            <a:r>
+              <a:rPr lang="fr-FR" altLang="zh-CN" dirty="0" err="1"/>
+              <a:t>gateway</a:t>
+            </a:r>
+            <a:r>
+              <a:rPr lang="en-US" altLang="zh-CN" dirty="0"/>
+              <a:t>)</a:t>
+            </a:r>
+          </a:p>
+          <a:p>
+            <a:r>
+              <a:rPr lang="en-US" altLang="zh-CN" dirty="0"/>
+              <a:t>4.ALB</a:t>
+            </a:r>
+          </a:p>
+          <a:p>
+            <a:r>
+              <a:rPr lang="en-US" altLang="zh-CN" dirty="0"/>
+              <a:t>5.ECS</a:t>
+            </a:r>
+            <a:r>
+              <a:rPr lang="fr-CA" altLang="zh-CN" dirty="0"/>
+              <a:t>(</a:t>
+            </a:r>
+            <a:r>
+              <a:rPr lang="fr-FR" altLang="zh-CN" dirty="0" err="1"/>
+              <a:t>autoscaling</a:t>
+            </a:r>
+            <a:r>
+              <a:rPr lang="fr-CA" altLang="zh-CN" dirty="0"/>
+              <a:t>)</a:t>
+            </a:r>
+          </a:p>
+          <a:p>
+            <a:r>
+              <a:rPr lang="fr-CA" altLang="zh-CN" dirty="0"/>
+              <a:t>6.SQL</a:t>
+            </a:r>
+            <a:endParaRPr lang="en-US" altLang="zh-CN" dirty="0"/>
           </a:p>
         </p:txBody>
       </p:sp>
@@ -3688,765 +3733,7 @@
 </file>
 
 <file path=ppt/tags/tag1.xml><?xml version="1.0" encoding="utf-8"?>
-<p:tagLst xmlns:p="http://schemas.openxmlformats.org/presentationml/2006/main">
-  <p:tag name="KSO_WM_UNIT_HIGHLIGHT" val="0"/>
-  <p:tag name="KSO_WM_UNIT_COMPATIBLE" val="0"/>
-  <p:tag name="KSO_WM_UNIT_DIAGRAM_ISNUMVISUAL" val="0"/>
-  <p:tag name="KSO_WM_UNIT_DIAGRAM_ISREFERUNIT" val="0"/>
-  <p:tag name="KSO_WM_UNIT_ID" val="_1**"/>
-  <p:tag name="KSO_WM_UNIT_LAYERLEVEL" val="1"/>
-  <p:tag name="KSO_WM_TAG_VERSION" val="1.0"/>
-  <p:tag name="KSO_WM_BEAUTIFY_FLAG" val="#wm#"/>
-</p:tagLst>
-</file>
-
-<file path=ppt/tags/tag10.xml><?xml version="1.0" encoding="utf-8"?>
-<p:tagLst xmlns:p="http://schemas.openxmlformats.org/presentationml/2006/main">
-  <p:tag name="KSO_WM_UNIT_HIGHLIGHT" val="0"/>
-  <p:tag name="KSO_WM_UNIT_COMPATIBLE" val="0"/>
-  <p:tag name="KSO_WM_UNIT_DIAGRAM_ISNUMVISUAL" val="0"/>
-  <p:tag name="KSO_WM_UNIT_DIAGRAM_ISREFERUNIT" val="0"/>
-  <p:tag name="KSO_WM_UNIT_ID" val="_2**"/>
-  <p:tag name="KSO_WM_UNIT_LAYERLEVEL" val="1"/>
-  <p:tag name="KSO_WM_TAG_VERSION" val="1.0"/>
-  <p:tag name="KSO_WM_BEAUTIFY_FLAG" val="#wm#"/>
-</p:tagLst>
-</file>
-
-<file path=ppt/tags/tag11.xml><?xml version="1.0" encoding="utf-8"?>
-<p:tagLst xmlns:p="http://schemas.openxmlformats.org/presentationml/2006/main">
-  <p:tag name="KSO_WM_UNIT_HIGHLIGHT" val="0"/>
-  <p:tag name="KSO_WM_UNIT_COMPATIBLE" val="0"/>
-  <p:tag name="KSO_WM_UNIT_DIAGRAM_ISNUMVISUAL" val="0"/>
-  <p:tag name="KSO_WM_UNIT_DIAGRAM_ISREFERUNIT" val="0"/>
-  <p:tag name="KSO_WM_UNIT_ID" val="_3**"/>
-  <p:tag name="KSO_WM_UNIT_LAYERLEVEL" val="1"/>
-  <p:tag name="KSO_WM_TAG_VERSION" val="1.0"/>
-  <p:tag name="KSO_WM_BEAUTIFY_FLAG" val="#wm#"/>
-</p:tagLst>
-</file>
-
-<file path=ppt/tags/tag12.xml><?xml version="1.0" encoding="utf-8"?>
-<p:tagLst xmlns:p="http://schemas.openxmlformats.org/presentationml/2006/main">
-  <p:tag name="KSO_WM_UNIT_HIGHLIGHT" val="0"/>
-  <p:tag name="KSO_WM_UNIT_COMPATIBLE" val="0"/>
-  <p:tag name="KSO_WM_UNIT_DIAGRAM_ISNUMVISUAL" val="0"/>
-  <p:tag name="KSO_WM_UNIT_DIAGRAM_ISREFERUNIT" val="0"/>
-  <p:tag name="KSO_WM_UNIT_ID" val="_3**"/>
-  <p:tag name="KSO_WM_UNIT_LAYERLEVEL" val="1"/>
-  <p:tag name="KSO_WM_TAG_VERSION" val="1.0"/>
-  <p:tag name="KSO_WM_BEAUTIFY_FLAG" val="#wm#"/>
-</p:tagLst>
-</file>
-
-<file path=ppt/tags/tag13.xml><?xml version="1.0" encoding="utf-8"?>
-<p:tagLst xmlns:p="http://schemas.openxmlformats.org/presentationml/2006/main">
-  <p:tag name="KSO_WM_UNIT_HIGHLIGHT" val="0"/>
-  <p:tag name="KSO_WM_UNIT_COMPATIBLE" val="0"/>
-  <p:tag name="KSO_WM_UNIT_DIAGRAM_ISNUMVISUAL" val="0"/>
-  <p:tag name="KSO_WM_UNIT_DIAGRAM_ISREFERUNIT" val="0"/>
-  <p:tag name="KSO_WM_UNIT_ID" val="_3**"/>
-  <p:tag name="KSO_WM_UNIT_LAYERLEVEL" val="1"/>
-  <p:tag name="KSO_WM_TAG_VERSION" val="1.0"/>
-  <p:tag name="KSO_WM_BEAUTIFY_FLAG" val="#wm#"/>
-</p:tagLst>
-</file>
-
-<file path=ppt/tags/tag14.xml><?xml version="1.0" encoding="utf-8"?>
-<p:tagLst xmlns:p="http://schemas.openxmlformats.org/presentationml/2006/main">
-  <p:tag name="KSO_WM_UNIT_HIGHLIGHT" val="0"/>
-  <p:tag name="KSO_WM_UNIT_COMPATIBLE" val="0"/>
-  <p:tag name="KSO_WM_UNIT_DIAGRAM_ISNUMVISUAL" val="0"/>
-  <p:tag name="KSO_WM_UNIT_DIAGRAM_ISREFERUNIT" val="0"/>
-  <p:tag name="KSO_WM_UNIT_ID" val="_3**"/>
-  <p:tag name="KSO_WM_UNIT_LAYERLEVEL" val="1"/>
-  <p:tag name="KSO_WM_TAG_VERSION" val="1.0"/>
-  <p:tag name="KSO_WM_BEAUTIFY_FLAG" val="#wm#"/>
-</p:tagLst>
-</file>
-
-<file path=ppt/tags/tag15.xml><?xml version="1.0" encoding="utf-8"?>
-<p:tagLst xmlns:p="http://schemas.openxmlformats.org/presentationml/2006/main">
-  <p:tag name="KSO_WM_UNIT_HIGHLIGHT" val="0"/>
-  <p:tag name="KSO_WM_UNIT_COMPATIBLE" val="0"/>
-  <p:tag name="KSO_WM_UNIT_DIAGRAM_ISNUMVISUAL" val="0"/>
-  <p:tag name="KSO_WM_UNIT_DIAGRAM_ISREFERUNIT" val="0"/>
-  <p:tag name="KSO_WM_UNIT_ID" val="_3**"/>
-  <p:tag name="KSO_WM_UNIT_LAYERLEVEL" val="1"/>
-  <p:tag name="KSO_WM_TAG_VERSION" val="1.0"/>
-  <p:tag name="KSO_WM_BEAUTIFY_FLAG" val="#wm#"/>
-</p:tagLst>
-</file>
-
-<file path=ppt/tags/tag16.xml><?xml version="1.0" encoding="utf-8"?>
-<p:tagLst xmlns:p="http://schemas.openxmlformats.org/presentationml/2006/main">
-  <p:tag name="KSO_WM_UNIT_HIGHLIGHT" val="0"/>
-  <p:tag name="KSO_WM_UNIT_COMPATIBLE" val="0"/>
-  <p:tag name="KSO_WM_UNIT_DIAGRAM_ISNUMVISUAL" val="0"/>
-  <p:tag name="KSO_WM_UNIT_DIAGRAM_ISREFERUNIT" val="0"/>
-  <p:tag name="KSO_WM_UNIT_ID" val="_4**"/>
-  <p:tag name="KSO_WM_UNIT_LAYERLEVEL" val="1"/>
-  <p:tag name="KSO_WM_TAG_VERSION" val="1.0"/>
-  <p:tag name="KSO_WM_BEAUTIFY_FLAG" val="#wm#"/>
-</p:tagLst>
-</file>
-
-<file path=ppt/tags/tag17.xml><?xml version="1.0" encoding="utf-8"?>
-<p:tagLst xmlns:p="http://schemas.openxmlformats.org/presentationml/2006/main">
-  <p:tag name="KSO_WM_UNIT_HIGHLIGHT" val="0"/>
-  <p:tag name="KSO_WM_UNIT_COMPATIBLE" val="0"/>
-  <p:tag name="KSO_WM_UNIT_DIAGRAM_ISNUMVISUAL" val="0"/>
-  <p:tag name="KSO_WM_UNIT_DIAGRAM_ISREFERUNIT" val="0"/>
-  <p:tag name="KSO_WM_UNIT_ID" val="_4**"/>
-  <p:tag name="KSO_WM_UNIT_LAYERLEVEL" val="1"/>
-  <p:tag name="KSO_WM_TAG_VERSION" val="1.0"/>
-  <p:tag name="KSO_WM_BEAUTIFY_FLAG" val="#wm#"/>
-</p:tagLst>
-</file>
-
-<file path=ppt/tags/tag18.xml><?xml version="1.0" encoding="utf-8"?>
-<p:tagLst xmlns:p="http://schemas.openxmlformats.org/presentationml/2006/main">
-  <p:tag name="KSO_WM_UNIT_HIGHLIGHT" val="0"/>
-  <p:tag name="KSO_WM_UNIT_COMPATIBLE" val="0"/>
-  <p:tag name="KSO_WM_UNIT_DIAGRAM_ISNUMVISUAL" val="0"/>
-  <p:tag name="KSO_WM_UNIT_DIAGRAM_ISREFERUNIT" val="0"/>
-  <p:tag name="KSO_WM_UNIT_ID" val="_4**"/>
-  <p:tag name="KSO_WM_UNIT_LAYERLEVEL" val="1"/>
-  <p:tag name="KSO_WM_TAG_VERSION" val="1.0"/>
-  <p:tag name="KSO_WM_BEAUTIFY_FLAG" val="#wm#"/>
-</p:tagLst>
-</file>
-
-<file path=ppt/tags/tag19.xml><?xml version="1.0" encoding="utf-8"?>
-<p:tagLst xmlns:p="http://schemas.openxmlformats.org/presentationml/2006/main">
-  <p:tag name="KSO_WM_UNIT_HIGHLIGHT" val="0"/>
-  <p:tag name="KSO_WM_UNIT_COMPATIBLE" val="0"/>
-  <p:tag name="KSO_WM_UNIT_DIAGRAM_ISNUMVISUAL" val="0"/>
-  <p:tag name="KSO_WM_UNIT_DIAGRAM_ISREFERUNIT" val="0"/>
-  <p:tag name="KSO_WM_UNIT_ID" val="_4**"/>
-  <p:tag name="KSO_WM_UNIT_LAYERLEVEL" val="1"/>
-  <p:tag name="KSO_WM_TAG_VERSION" val="1.0"/>
-  <p:tag name="KSO_WM_BEAUTIFY_FLAG" val="#wm#"/>
-</p:tagLst>
-</file>
-
-<file path=ppt/tags/tag2.xml><?xml version="1.0" encoding="utf-8"?>
-<p:tagLst xmlns:p="http://schemas.openxmlformats.org/presentationml/2006/main">
-  <p:tag name="KSO_WM_UNIT_HIGHLIGHT" val="0"/>
-  <p:tag name="KSO_WM_UNIT_COMPATIBLE" val="0"/>
-  <p:tag name="KSO_WM_UNIT_DIAGRAM_ISNUMVISUAL" val="0"/>
-  <p:tag name="KSO_WM_UNIT_DIAGRAM_ISREFERUNIT" val="0"/>
-  <p:tag name="KSO_WM_UNIT_ID" val="_1**"/>
-  <p:tag name="KSO_WM_UNIT_LAYERLEVEL" val="1"/>
-  <p:tag name="KSO_WM_TAG_VERSION" val="1.0"/>
-  <p:tag name="KSO_WM_BEAUTIFY_FLAG" val="#wm#"/>
-</p:tagLst>
-</file>
-
-<file path=ppt/tags/tag20.xml><?xml version="1.0" encoding="utf-8"?>
-<p:tagLst xmlns:p="http://schemas.openxmlformats.org/presentationml/2006/main">
-  <p:tag name="KSO_WM_UNIT_HIGHLIGHT" val="0"/>
-  <p:tag name="KSO_WM_UNIT_COMPATIBLE" val="0"/>
-  <p:tag name="KSO_WM_UNIT_DIAGRAM_ISNUMVISUAL" val="0"/>
-  <p:tag name="KSO_WM_UNIT_DIAGRAM_ISREFERUNIT" val="0"/>
-  <p:tag name="KSO_WM_UNIT_ID" val="_4**"/>
-  <p:tag name="KSO_WM_UNIT_LAYERLEVEL" val="1"/>
-  <p:tag name="KSO_WM_TAG_VERSION" val="1.0"/>
-  <p:tag name="KSO_WM_BEAUTIFY_FLAG" val="#wm#"/>
-</p:tagLst>
-</file>
-
-<file path=ppt/tags/tag21.xml><?xml version="1.0" encoding="utf-8"?>
-<p:tagLst xmlns:p="http://schemas.openxmlformats.org/presentationml/2006/main">
-  <p:tag name="KSO_WM_UNIT_HIGHLIGHT" val="0"/>
-  <p:tag name="KSO_WM_UNIT_COMPATIBLE" val="0"/>
-  <p:tag name="KSO_WM_UNIT_DIAGRAM_ISNUMVISUAL" val="0"/>
-  <p:tag name="KSO_WM_UNIT_DIAGRAM_ISREFERUNIT" val="0"/>
-  <p:tag name="KSO_WM_UNIT_ID" val="_4**"/>
-  <p:tag name="KSO_WM_UNIT_LAYERLEVEL" val="1"/>
-  <p:tag name="KSO_WM_TAG_VERSION" val="1.0"/>
-  <p:tag name="KSO_WM_BEAUTIFY_FLAG" val="#wm#"/>
-</p:tagLst>
-</file>
-
-<file path=ppt/tags/tag22.xml><?xml version="1.0" encoding="utf-8"?>
-<p:tagLst xmlns:p="http://schemas.openxmlformats.org/presentationml/2006/main">
-  <p:tag name="KSO_WM_UNIT_HIGHLIGHT" val="0"/>
-  <p:tag name="KSO_WM_UNIT_COMPATIBLE" val="0"/>
-  <p:tag name="KSO_WM_UNIT_DIAGRAM_ISNUMVISUAL" val="0"/>
-  <p:tag name="KSO_WM_UNIT_DIAGRAM_ISREFERUNIT" val="0"/>
-  <p:tag name="KSO_WM_UNIT_ID" val="_5**"/>
-  <p:tag name="KSO_WM_UNIT_LAYERLEVEL" val="1"/>
-  <p:tag name="KSO_WM_TAG_VERSION" val="1.0"/>
-  <p:tag name="KSO_WM_BEAUTIFY_FLAG" val="#wm#"/>
-</p:tagLst>
-</file>
-
-<file path=ppt/tags/tag23.xml><?xml version="1.0" encoding="utf-8"?>
-<p:tagLst xmlns:p="http://schemas.openxmlformats.org/presentationml/2006/main">
-  <p:tag name="KSO_WM_UNIT_HIGHLIGHT" val="0"/>
-  <p:tag name="KSO_WM_UNIT_COMPATIBLE" val="0"/>
-  <p:tag name="KSO_WM_UNIT_DIAGRAM_ISNUMVISUAL" val="0"/>
-  <p:tag name="KSO_WM_UNIT_DIAGRAM_ISREFERUNIT" val="0"/>
-  <p:tag name="KSO_WM_UNIT_ID" val="_5**"/>
-  <p:tag name="KSO_WM_UNIT_LAYERLEVEL" val="1"/>
-  <p:tag name="KSO_WM_TAG_VERSION" val="1.0"/>
-  <p:tag name="KSO_WM_BEAUTIFY_FLAG" val="#wm#"/>
-</p:tagLst>
-</file>
-
-<file path=ppt/tags/tag24.xml><?xml version="1.0" encoding="utf-8"?>
-<p:tagLst xmlns:p="http://schemas.openxmlformats.org/presentationml/2006/main">
-  <p:tag name="KSO_WM_UNIT_HIGHLIGHT" val="0"/>
-  <p:tag name="KSO_WM_UNIT_COMPATIBLE" val="0"/>
-  <p:tag name="KSO_WM_UNIT_DIAGRAM_ISNUMVISUAL" val="0"/>
-  <p:tag name="KSO_WM_UNIT_DIAGRAM_ISREFERUNIT" val="0"/>
-  <p:tag name="KSO_WM_UNIT_ID" val="_5**"/>
-  <p:tag name="KSO_WM_UNIT_LAYERLEVEL" val="1"/>
-  <p:tag name="KSO_WM_TAG_VERSION" val="1.0"/>
-  <p:tag name="KSO_WM_BEAUTIFY_FLAG" val="#wm#"/>
-</p:tagLst>
-</file>
-
-<file path=ppt/tags/tag25.xml><?xml version="1.0" encoding="utf-8"?>
-<p:tagLst xmlns:p="http://schemas.openxmlformats.org/presentationml/2006/main">
-  <p:tag name="KSO_WM_UNIT_HIGHLIGHT" val="0"/>
-  <p:tag name="KSO_WM_UNIT_COMPATIBLE" val="0"/>
-  <p:tag name="KSO_WM_UNIT_DIAGRAM_ISNUMVISUAL" val="0"/>
-  <p:tag name="KSO_WM_UNIT_DIAGRAM_ISREFERUNIT" val="0"/>
-  <p:tag name="KSO_WM_UNIT_ID" val="_5**"/>
-  <p:tag name="KSO_WM_UNIT_LAYERLEVEL" val="1"/>
-  <p:tag name="KSO_WM_TAG_VERSION" val="1.0"/>
-  <p:tag name="KSO_WM_BEAUTIFY_FLAG" val="#wm#"/>
-</p:tagLst>
-</file>
-
-<file path=ppt/tags/tag26.xml><?xml version="1.0" encoding="utf-8"?>
-<p:tagLst xmlns:p="http://schemas.openxmlformats.org/presentationml/2006/main">
-  <p:tag name="KSO_WM_UNIT_HIGHLIGHT" val="0"/>
-  <p:tag name="KSO_WM_UNIT_COMPATIBLE" val="0"/>
-  <p:tag name="KSO_WM_UNIT_DIAGRAM_ISNUMVISUAL" val="0"/>
-  <p:tag name="KSO_WM_UNIT_DIAGRAM_ISREFERUNIT" val="0"/>
-  <p:tag name="KSO_WM_UNIT_ID" val="_5**"/>
-  <p:tag name="KSO_WM_UNIT_LAYERLEVEL" val="1"/>
-  <p:tag name="KSO_WM_TAG_VERSION" val="1.0"/>
-  <p:tag name="KSO_WM_BEAUTIFY_FLAG" val="#wm#"/>
-</p:tagLst>
-</file>
-
-<file path=ppt/tags/tag27.xml><?xml version="1.0" encoding="utf-8"?>
-<p:tagLst xmlns:p="http://schemas.openxmlformats.org/presentationml/2006/main">
-  <p:tag name="KSO_WM_UNIT_HIGHLIGHT" val="0"/>
-  <p:tag name="KSO_WM_UNIT_COMPATIBLE" val="0"/>
-  <p:tag name="KSO_WM_UNIT_DIAGRAM_ISNUMVISUAL" val="0"/>
-  <p:tag name="KSO_WM_UNIT_DIAGRAM_ISREFERUNIT" val="0"/>
-  <p:tag name="KSO_WM_UNIT_ID" val="_5**"/>
-  <p:tag name="KSO_WM_UNIT_LAYERLEVEL" val="1"/>
-  <p:tag name="KSO_WM_TAG_VERSION" val="1.0"/>
-  <p:tag name="KSO_WM_BEAUTIFY_FLAG" val="#wm#"/>
-</p:tagLst>
-</file>
-
-<file path=ppt/tags/tag28.xml><?xml version="1.0" encoding="utf-8"?>
-<p:tagLst xmlns:p="http://schemas.openxmlformats.org/presentationml/2006/main">
-  <p:tag name="KSO_WM_UNIT_HIGHLIGHT" val="0"/>
-  <p:tag name="KSO_WM_UNIT_COMPATIBLE" val="0"/>
-  <p:tag name="KSO_WM_UNIT_DIAGRAM_ISNUMVISUAL" val="0"/>
-  <p:tag name="KSO_WM_UNIT_DIAGRAM_ISREFERUNIT" val="0"/>
-  <p:tag name="KSO_WM_UNIT_ID" val="_5**"/>
-  <p:tag name="KSO_WM_UNIT_LAYERLEVEL" val="1"/>
-  <p:tag name="KSO_WM_TAG_VERSION" val="1.0"/>
-  <p:tag name="KSO_WM_BEAUTIFY_FLAG" val="#wm#"/>
-</p:tagLst>
-</file>
-
-<file path=ppt/tags/tag29.xml><?xml version="1.0" encoding="utf-8"?>
-<p:tagLst xmlns:p="http://schemas.openxmlformats.org/presentationml/2006/main">
-  <p:tag name="KSO_WM_UNIT_HIGHLIGHT" val="0"/>
-  <p:tag name="KSO_WM_UNIT_COMPATIBLE" val="0"/>
-  <p:tag name="KSO_WM_UNIT_DIAGRAM_ISNUMVISUAL" val="0"/>
-  <p:tag name="KSO_WM_UNIT_DIAGRAM_ISREFERUNIT" val="0"/>
-  <p:tag name="KSO_WM_UNIT_ID" val="_5**"/>
-  <p:tag name="KSO_WM_UNIT_LAYERLEVEL" val="1"/>
-  <p:tag name="KSO_WM_TAG_VERSION" val="1.0"/>
-  <p:tag name="KSO_WM_BEAUTIFY_FLAG" val="#wm#"/>
-</p:tagLst>
-</file>
-
-<file path=ppt/tags/tag3.xml><?xml version="1.0" encoding="utf-8"?>
-<p:tagLst xmlns:p="http://schemas.openxmlformats.org/presentationml/2006/main">
-  <p:tag name="KSO_WM_UNIT_HIGHLIGHT" val="0"/>
-  <p:tag name="KSO_WM_UNIT_COMPATIBLE" val="0"/>
-  <p:tag name="KSO_WM_UNIT_DIAGRAM_ISNUMVISUAL" val="0"/>
-  <p:tag name="KSO_WM_UNIT_DIAGRAM_ISREFERUNIT" val="0"/>
-  <p:tag name="KSO_WM_UNIT_ID" val="_1**"/>
-  <p:tag name="KSO_WM_UNIT_LAYERLEVEL" val="1"/>
-  <p:tag name="KSO_WM_TAG_VERSION" val="1.0"/>
-  <p:tag name="KSO_WM_BEAUTIFY_FLAG" val="#wm#"/>
-</p:tagLst>
-</file>
-
-<file path=ppt/tags/tag30.xml><?xml version="1.0" encoding="utf-8"?>
-<p:tagLst xmlns:p="http://schemas.openxmlformats.org/presentationml/2006/main">
-  <p:tag name="KSO_WM_UNIT_HIGHLIGHT" val="0"/>
-  <p:tag name="KSO_WM_UNIT_COMPATIBLE" val="0"/>
-  <p:tag name="KSO_WM_UNIT_DIAGRAM_ISNUMVISUAL" val="0"/>
-  <p:tag name="KSO_WM_UNIT_DIAGRAM_ISREFERUNIT" val="0"/>
-  <p:tag name="KSO_WM_UNIT_ID" val="_6**"/>
-  <p:tag name="KSO_WM_UNIT_LAYERLEVEL" val="1"/>
-  <p:tag name="KSO_WM_TAG_VERSION" val="1.0"/>
-  <p:tag name="KSO_WM_BEAUTIFY_FLAG" val="#wm#"/>
-</p:tagLst>
-</file>
-
-<file path=ppt/tags/tag31.xml><?xml version="1.0" encoding="utf-8"?>
-<p:tagLst xmlns:p="http://schemas.openxmlformats.org/presentationml/2006/main">
-  <p:tag name="KSO_WM_UNIT_HIGHLIGHT" val="0"/>
-  <p:tag name="KSO_WM_UNIT_COMPATIBLE" val="0"/>
-  <p:tag name="KSO_WM_UNIT_DIAGRAM_ISNUMVISUAL" val="0"/>
-  <p:tag name="KSO_WM_UNIT_DIAGRAM_ISREFERUNIT" val="0"/>
-  <p:tag name="KSO_WM_UNIT_ID" val="_6**"/>
-  <p:tag name="KSO_WM_UNIT_LAYERLEVEL" val="1"/>
-  <p:tag name="KSO_WM_TAG_VERSION" val="1.0"/>
-  <p:tag name="KSO_WM_BEAUTIFY_FLAG" val="#wm#"/>
-</p:tagLst>
-</file>
-
-<file path=ppt/tags/tag32.xml><?xml version="1.0" encoding="utf-8"?>
-<p:tagLst xmlns:p="http://schemas.openxmlformats.org/presentationml/2006/main">
-  <p:tag name="KSO_WM_UNIT_HIGHLIGHT" val="0"/>
-  <p:tag name="KSO_WM_UNIT_COMPATIBLE" val="0"/>
-  <p:tag name="KSO_WM_UNIT_DIAGRAM_ISNUMVISUAL" val="0"/>
-  <p:tag name="KSO_WM_UNIT_DIAGRAM_ISREFERUNIT" val="0"/>
-  <p:tag name="KSO_WM_UNIT_ID" val="_6**"/>
-  <p:tag name="KSO_WM_UNIT_LAYERLEVEL" val="1"/>
-  <p:tag name="KSO_WM_TAG_VERSION" val="1.0"/>
-  <p:tag name="KSO_WM_BEAUTIFY_FLAG" val="#wm#"/>
-</p:tagLst>
-</file>
-
-<file path=ppt/tags/tag33.xml><?xml version="1.0" encoding="utf-8"?>
-<p:tagLst xmlns:p="http://schemas.openxmlformats.org/presentationml/2006/main">
-  <p:tag name="KSO_WM_UNIT_HIGHLIGHT" val="0"/>
-  <p:tag name="KSO_WM_UNIT_COMPATIBLE" val="0"/>
-  <p:tag name="KSO_WM_UNIT_DIAGRAM_ISNUMVISUAL" val="0"/>
-  <p:tag name="KSO_WM_UNIT_DIAGRAM_ISREFERUNIT" val="0"/>
-  <p:tag name="KSO_WM_UNIT_ID" val="_6**"/>
-  <p:tag name="KSO_WM_UNIT_LAYERLEVEL" val="1"/>
-  <p:tag name="KSO_WM_TAG_VERSION" val="1.0"/>
-  <p:tag name="KSO_WM_BEAUTIFY_FLAG" val="#wm#"/>
-</p:tagLst>
-</file>
-
-<file path=ppt/tags/tag34.xml><?xml version="1.0" encoding="utf-8"?>
-<p:tagLst xmlns:p="http://schemas.openxmlformats.org/presentationml/2006/main">
-  <p:tag name="KSO_WM_UNIT_HIGHLIGHT" val="0"/>
-  <p:tag name="KSO_WM_UNIT_COMPATIBLE" val="0"/>
-  <p:tag name="KSO_WM_UNIT_DIAGRAM_ISNUMVISUAL" val="0"/>
-  <p:tag name="KSO_WM_UNIT_DIAGRAM_ISREFERUNIT" val="0"/>
-  <p:tag name="KSO_WM_UNIT_ID" val="_7**"/>
-  <p:tag name="KSO_WM_UNIT_LAYERLEVEL" val="1"/>
-  <p:tag name="KSO_WM_TAG_VERSION" val="1.0"/>
-  <p:tag name="KSO_WM_BEAUTIFY_FLAG" val="#wm#"/>
-</p:tagLst>
-</file>
-
-<file path=ppt/tags/tag35.xml><?xml version="1.0" encoding="utf-8"?>
-<p:tagLst xmlns:p="http://schemas.openxmlformats.org/presentationml/2006/main">
-  <p:tag name="KSO_WM_UNIT_HIGHLIGHT" val="0"/>
-  <p:tag name="KSO_WM_UNIT_COMPATIBLE" val="0"/>
-  <p:tag name="KSO_WM_UNIT_DIAGRAM_ISNUMVISUAL" val="0"/>
-  <p:tag name="KSO_WM_UNIT_DIAGRAM_ISREFERUNIT" val="0"/>
-  <p:tag name="KSO_WM_UNIT_ID" val="_7**"/>
-  <p:tag name="KSO_WM_UNIT_LAYERLEVEL" val="1"/>
-  <p:tag name="KSO_WM_TAG_VERSION" val="1.0"/>
-  <p:tag name="KSO_WM_BEAUTIFY_FLAG" val="#wm#"/>
-</p:tagLst>
-</file>
-
-<file path=ppt/tags/tag36.xml><?xml version="1.0" encoding="utf-8"?>
-<p:tagLst xmlns:p="http://schemas.openxmlformats.org/presentationml/2006/main">
-  <p:tag name="KSO_WM_UNIT_HIGHLIGHT" val="0"/>
-  <p:tag name="KSO_WM_UNIT_COMPATIBLE" val="0"/>
-  <p:tag name="KSO_WM_UNIT_DIAGRAM_ISNUMVISUAL" val="0"/>
-  <p:tag name="KSO_WM_UNIT_DIAGRAM_ISREFERUNIT" val="0"/>
-  <p:tag name="KSO_WM_UNIT_ID" val="_7**"/>
-  <p:tag name="KSO_WM_UNIT_LAYERLEVEL" val="1"/>
-  <p:tag name="KSO_WM_TAG_VERSION" val="1.0"/>
-  <p:tag name="KSO_WM_BEAUTIFY_FLAG" val="#wm#"/>
-</p:tagLst>
-</file>
-
-<file path=ppt/tags/tag37.xml><?xml version="1.0" encoding="utf-8"?>
-<p:tagLst xmlns:p="http://schemas.openxmlformats.org/presentationml/2006/main">
-  <p:tag name="KSO_WM_UNIT_HIGHLIGHT" val="0"/>
-  <p:tag name="KSO_WM_UNIT_COMPATIBLE" val="0"/>
-  <p:tag name="KSO_WM_UNIT_DIAGRAM_ISNUMVISUAL" val="0"/>
-  <p:tag name="KSO_WM_UNIT_DIAGRAM_ISREFERUNIT" val="0"/>
-  <p:tag name="KSO_WM_UNIT_ID" val="_8**"/>
-  <p:tag name="KSO_WM_UNIT_LAYERLEVEL" val="1"/>
-  <p:tag name="KSO_WM_TAG_VERSION" val="1.0"/>
-  <p:tag name="KSO_WM_BEAUTIFY_FLAG" val="#wm#"/>
-</p:tagLst>
-</file>
-
-<file path=ppt/tags/tag38.xml><?xml version="1.0" encoding="utf-8"?>
-<p:tagLst xmlns:p="http://schemas.openxmlformats.org/presentationml/2006/main">
-  <p:tag name="KSO_WM_UNIT_HIGHLIGHT" val="0"/>
-  <p:tag name="KSO_WM_UNIT_COMPATIBLE" val="0"/>
-  <p:tag name="KSO_WM_UNIT_DIAGRAM_ISNUMVISUAL" val="0"/>
-  <p:tag name="KSO_WM_UNIT_DIAGRAM_ISREFERUNIT" val="0"/>
-  <p:tag name="KSO_WM_UNIT_ID" val="_8**"/>
-  <p:tag name="KSO_WM_UNIT_LAYERLEVEL" val="1"/>
-  <p:tag name="KSO_WM_TAG_VERSION" val="1.0"/>
-  <p:tag name="KSO_WM_BEAUTIFY_FLAG" val="#wm#"/>
-</p:tagLst>
-</file>
-
-<file path=ppt/tags/tag39.xml><?xml version="1.0" encoding="utf-8"?>
-<p:tagLst xmlns:p="http://schemas.openxmlformats.org/presentationml/2006/main">
-  <p:tag name="KSO_WM_UNIT_HIGHLIGHT" val="0"/>
-  <p:tag name="KSO_WM_UNIT_COMPATIBLE" val="0"/>
-  <p:tag name="KSO_WM_UNIT_DIAGRAM_ISNUMVISUAL" val="0"/>
-  <p:tag name="KSO_WM_UNIT_DIAGRAM_ISREFERUNIT" val="0"/>
-  <p:tag name="KSO_WM_UNIT_ID" val="_8**"/>
-  <p:tag name="KSO_WM_UNIT_LAYERLEVEL" val="1"/>
-  <p:tag name="KSO_WM_TAG_VERSION" val="1.0"/>
-  <p:tag name="KSO_WM_BEAUTIFY_FLAG" val="#wm#"/>
-</p:tagLst>
-</file>
-
-<file path=ppt/tags/tag4.xml><?xml version="1.0" encoding="utf-8"?>
-<p:tagLst xmlns:p="http://schemas.openxmlformats.org/presentationml/2006/main">
-  <p:tag name="KSO_WM_UNIT_HIGHLIGHT" val="0"/>
-  <p:tag name="KSO_WM_UNIT_COMPATIBLE" val="0"/>
-  <p:tag name="KSO_WM_UNIT_DIAGRAM_ISNUMVISUAL" val="0"/>
-  <p:tag name="KSO_WM_UNIT_DIAGRAM_ISREFERUNIT" val="0"/>
-  <p:tag name="KSO_WM_UNIT_ID" val="_1**"/>
-  <p:tag name="KSO_WM_UNIT_LAYERLEVEL" val="1"/>
-  <p:tag name="KSO_WM_TAG_VERSION" val="1.0"/>
-  <p:tag name="KSO_WM_BEAUTIFY_FLAG" val="#wm#"/>
-</p:tagLst>
-</file>
-
-<file path=ppt/tags/tag40.xml><?xml version="1.0" encoding="utf-8"?>
-<p:tagLst xmlns:p="http://schemas.openxmlformats.org/presentationml/2006/main">
-  <p:tag name="KSO_WM_UNIT_HIGHLIGHT" val="0"/>
-  <p:tag name="KSO_WM_UNIT_COMPATIBLE" val="0"/>
-  <p:tag name="KSO_WM_UNIT_DIAGRAM_ISNUMVISUAL" val="0"/>
-  <p:tag name="KSO_WM_UNIT_DIAGRAM_ISREFERUNIT" val="0"/>
-  <p:tag name="KSO_WM_UNIT_ID" val="_8**"/>
-  <p:tag name="KSO_WM_UNIT_LAYERLEVEL" val="1"/>
-  <p:tag name="KSO_WM_TAG_VERSION" val="1.0"/>
-  <p:tag name="KSO_WM_BEAUTIFY_FLAG" val="#wm#"/>
-</p:tagLst>
-</file>
-
-<file path=ppt/tags/tag41.xml><?xml version="1.0" encoding="utf-8"?>
-<p:tagLst xmlns:p="http://schemas.openxmlformats.org/presentationml/2006/main">
-  <p:tag name="KSO_WM_UNIT_HIGHLIGHT" val="0"/>
-  <p:tag name="KSO_WM_UNIT_COMPATIBLE" val="0"/>
-  <p:tag name="KSO_WM_UNIT_DIAGRAM_ISNUMVISUAL" val="0"/>
-  <p:tag name="KSO_WM_UNIT_DIAGRAM_ISREFERUNIT" val="0"/>
-  <p:tag name="KSO_WM_UNIT_ID" val="_8**"/>
-  <p:tag name="KSO_WM_UNIT_LAYERLEVEL" val="1"/>
-  <p:tag name="KSO_WM_TAG_VERSION" val="1.0"/>
-  <p:tag name="KSO_WM_BEAUTIFY_FLAG" val="#wm#"/>
-</p:tagLst>
-</file>
-
-<file path=ppt/tags/tag42.xml><?xml version="1.0" encoding="utf-8"?>
-<p:tagLst xmlns:p="http://schemas.openxmlformats.org/presentationml/2006/main">
-  <p:tag name="KSO_WM_UNIT_HIGHLIGHT" val="0"/>
-  <p:tag name="KSO_WM_UNIT_COMPATIBLE" val="0"/>
-  <p:tag name="KSO_WM_UNIT_DIAGRAM_ISNUMVISUAL" val="0"/>
-  <p:tag name="KSO_WM_UNIT_DIAGRAM_ISREFERUNIT" val="0"/>
-  <p:tag name="KSO_WM_UNIT_ID" val="_8**"/>
-  <p:tag name="KSO_WM_UNIT_LAYERLEVEL" val="1"/>
-  <p:tag name="KSO_WM_TAG_VERSION" val="1.0"/>
-  <p:tag name="KSO_WM_BEAUTIFY_FLAG" val="#wm#"/>
-</p:tagLst>
-</file>
-
-<file path=ppt/tags/tag43.xml><?xml version="1.0" encoding="utf-8"?>
-<p:tagLst xmlns:p="http://schemas.openxmlformats.org/presentationml/2006/main">
-  <p:tag name="KSO_WM_UNIT_HIGHLIGHT" val="0"/>
-  <p:tag name="KSO_WM_UNIT_COMPATIBLE" val="0"/>
-  <p:tag name="KSO_WM_UNIT_DIAGRAM_ISNUMVISUAL" val="0"/>
-  <p:tag name="KSO_WM_UNIT_DIAGRAM_ISREFERUNIT" val="0"/>
-  <p:tag name="KSO_WM_UNIT_ID" val="_9**"/>
-  <p:tag name="KSO_WM_UNIT_LAYERLEVEL" val="1"/>
-  <p:tag name="KSO_WM_TAG_VERSION" val="1.0"/>
-  <p:tag name="KSO_WM_BEAUTIFY_FLAG" val="#wm#"/>
-</p:tagLst>
-</file>
-
-<file path=ppt/tags/tag44.xml><?xml version="1.0" encoding="utf-8"?>
-<p:tagLst xmlns:p="http://schemas.openxmlformats.org/presentationml/2006/main">
-  <p:tag name="KSO_WM_UNIT_HIGHLIGHT" val="0"/>
-  <p:tag name="KSO_WM_UNIT_COMPATIBLE" val="0"/>
-  <p:tag name="KSO_WM_UNIT_DIAGRAM_ISNUMVISUAL" val="0"/>
-  <p:tag name="KSO_WM_UNIT_DIAGRAM_ISREFERUNIT" val="0"/>
-  <p:tag name="KSO_WM_UNIT_ID" val="_9**"/>
-  <p:tag name="KSO_WM_UNIT_LAYERLEVEL" val="1"/>
-  <p:tag name="KSO_WM_TAG_VERSION" val="1.0"/>
-  <p:tag name="KSO_WM_BEAUTIFY_FLAG" val="#wm#"/>
-</p:tagLst>
-</file>
-
-<file path=ppt/tags/tag45.xml><?xml version="1.0" encoding="utf-8"?>
-<p:tagLst xmlns:p="http://schemas.openxmlformats.org/presentationml/2006/main">
-  <p:tag name="KSO_WM_UNIT_HIGHLIGHT" val="0"/>
-  <p:tag name="KSO_WM_UNIT_COMPATIBLE" val="0"/>
-  <p:tag name="KSO_WM_UNIT_DIAGRAM_ISNUMVISUAL" val="0"/>
-  <p:tag name="KSO_WM_UNIT_DIAGRAM_ISREFERUNIT" val="0"/>
-  <p:tag name="KSO_WM_UNIT_ID" val="_9**"/>
-  <p:tag name="KSO_WM_UNIT_LAYERLEVEL" val="1"/>
-  <p:tag name="KSO_WM_TAG_VERSION" val="1.0"/>
-  <p:tag name="KSO_WM_BEAUTIFY_FLAG" val="#wm#"/>
-</p:tagLst>
-</file>
-
-<file path=ppt/tags/tag46.xml><?xml version="1.0" encoding="utf-8"?>
-<p:tagLst xmlns:p="http://schemas.openxmlformats.org/presentationml/2006/main">
-  <p:tag name="KSO_WM_UNIT_HIGHLIGHT" val="0"/>
-  <p:tag name="KSO_WM_UNIT_COMPATIBLE" val="0"/>
-  <p:tag name="KSO_WM_UNIT_DIAGRAM_ISNUMVISUAL" val="0"/>
-  <p:tag name="KSO_WM_UNIT_DIAGRAM_ISREFERUNIT" val="0"/>
-  <p:tag name="KSO_WM_UNIT_ID" val="_9**"/>
-  <p:tag name="KSO_WM_UNIT_LAYERLEVEL" val="1"/>
-  <p:tag name="KSO_WM_TAG_VERSION" val="1.0"/>
-  <p:tag name="KSO_WM_BEAUTIFY_FLAG" val="#wm#"/>
-</p:tagLst>
-</file>
-
-<file path=ppt/tags/tag47.xml><?xml version="1.0" encoding="utf-8"?>
-<p:tagLst xmlns:p="http://schemas.openxmlformats.org/presentationml/2006/main">
-  <p:tag name="KSO_WM_UNIT_HIGHLIGHT" val="0"/>
-  <p:tag name="KSO_WM_UNIT_COMPATIBLE" val="0"/>
-  <p:tag name="KSO_WM_UNIT_DIAGRAM_ISNUMVISUAL" val="0"/>
-  <p:tag name="KSO_WM_UNIT_DIAGRAM_ISREFERUNIT" val="0"/>
-  <p:tag name="KSO_WM_UNIT_ID" val="_9**"/>
-  <p:tag name="KSO_WM_UNIT_LAYERLEVEL" val="1"/>
-  <p:tag name="KSO_WM_TAG_VERSION" val="1.0"/>
-  <p:tag name="KSO_WM_BEAUTIFY_FLAG" val="#wm#"/>
-</p:tagLst>
-</file>
-
-<file path=ppt/tags/tag48.xml><?xml version="1.0" encoding="utf-8"?>
-<p:tagLst xmlns:p="http://schemas.openxmlformats.org/presentationml/2006/main">
-  <p:tag name="KSO_WM_UNIT_HIGHLIGHT" val="0"/>
-  <p:tag name="KSO_WM_UNIT_COMPATIBLE" val="0"/>
-  <p:tag name="KSO_WM_UNIT_DIAGRAM_ISNUMVISUAL" val="0"/>
-  <p:tag name="KSO_WM_UNIT_DIAGRAM_ISREFERUNIT" val="0"/>
-  <p:tag name="KSO_WM_UNIT_ID" val="_10**"/>
-  <p:tag name="KSO_WM_UNIT_LAYERLEVEL" val="1"/>
-  <p:tag name="KSO_WM_TAG_VERSION" val="1.0"/>
-  <p:tag name="KSO_WM_BEAUTIFY_FLAG" val="#wm#"/>
-</p:tagLst>
-</file>
-
-<file path=ppt/tags/tag49.xml><?xml version="1.0" encoding="utf-8"?>
-<p:tagLst xmlns:p="http://schemas.openxmlformats.org/presentationml/2006/main">
-  <p:tag name="KSO_WM_UNIT_HIGHLIGHT" val="0"/>
-  <p:tag name="KSO_WM_UNIT_COMPATIBLE" val="0"/>
-  <p:tag name="KSO_WM_UNIT_DIAGRAM_ISNUMVISUAL" val="0"/>
-  <p:tag name="KSO_WM_UNIT_DIAGRAM_ISREFERUNIT" val="0"/>
-  <p:tag name="KSO_WM_UNIT_ID" val="_10**"/>
-  <p:tag name="KSO_WM_UNIT_LAYERLEVEL" val="1"/>
-  <p:tag name="KSO_WM_TAG_VERSION" val="1.0"/>
-  <p:tag name="KSO_WM_BEAUTIFY_FLAG" val="#wm#"/>
-</p:tagLst>
-</file>
-
-<file path=ppt/tags/tag5.xml><?xml version="1.0" encoding="utf-8"?>
-<p:tagLst xmlns:p="http://schemas.openxmlformats.org/presentationml/2006/main">
-  <p:tag name="KSO_WM_UNIT_HIGHLIGHT" val="0"/>
-  <p:tag name="KSO_WM_UNIT_COMPATIBLE" val="0"/>
-  <p:tag name="KSO_WM_UNIT_DIAGRAM_ISNUMVISUAL" val="0"/>
-  <p:tag name="KSO_WM_UNIT_DIAGRAM_ISREFERUNIT" val="0"/>
-  <p:tag name="KSO_WM_UNIT_ID" val="_1**"/>
-  <p:tag name="KSO_WM_UNIT_LAYERLEVEL" val="1"/>
-  <p:tag name="KSO_WM_TAG_VERSION" val="1.0"/>
-  <p:tag name="KSO_WM_BEAUTIFY_FLAG" val="#wm#"/>
-</p:tagLst>
-</file>
-
-<file path=ppt/tags/tag50.xml><?xml version="1.0" encoding="utf-8"?>
-<p:tagLst xmlns:p="http://schemas.openxmlformats.org/presentationml/2006/main">
-  <p:tag name="KSO_WM_UNIT_HIGHLIGHT" val="0"/>
-  <p:tag name="KSO_WM_UNIT_COMPATIBLE" val="0"/>
-  <p:tag name="KSO_WM_UNIT_DIAGRAM_ISNUMVISUAL" val="0"/>
-  <p:tag name="KSO_WM_UNIT_DIAGRAM_ISREFERUNIT" val="0"/>
-  <p:tag name="KSO_WM_UNIT_ID" val="_10**"/>
-  <p:tag name="KSO_WM_UNIT_LAYERLEVEL" val="1"/>
-  <p:tag name="KSO_WM_TAG_VERSION" val="1.0"/>
-  <p:tag name="KSO_WM_BEAUTIFY_FLAG" val="#wm#"/>
-</p:tagLst>
-</file>
-
-<file path=ppt/tags/tag51.xml><?xml version="1.0" encoding="utf-8"?>
-<p:tagLst xmlns:p="http://schemas.openxmlformats.org/presentationml/2006/main">
-  <p:tag name="KSO_WM_UNIT_HIGHLIGHT" val="0"/>
-  <p:tag name="KSO_WM_UNIT_COMPATIBLE" val="0"/>
-  <p:tag name="KSO_WM_UNIT_DIAGRAM_ISNUMVISUAL" val="0"/>
-  <p:tag name="KSO_WM_UNIT_DIAGRAM_ISREFERUNIT" val="0"/>
-  <p:tag name="KSO_WM_UNIT_ID" val="_10**"/>
-  <p:tag name="KSO_WM_UNIT_LAYERLEVEL" val="1"/>
-  <p:tag name="KSO_WM_TAG_VERSION" val="1.0"/>
-  <p:tag name="KSO_WM_BEAUTIFY_FLAG" val="#wm#"/>
-</p:tagLst>
-</file>
-
-<file path=ppt/tags/tag52.xml><?xml version="1.0" encoding="utf-8"?>
-<p:tagLst xmlns:p="http://schemas.openxmlformats.org/presentationml/2006/main">
-  <p:tag name="KSO_WM_UNIT_HIGHLIGHT" val="0"/>
-  <p:tag name="KSO_WM_UNIT_COMPATIBLE" val="0"/>
-  <p:tag name="KSO_WM_UNIT_DIAGRAM_ISNUMVISUAL" val="0"/>
-  <p:tag name="KSO_WM_UNIT_DIAGRAM_ISREFERUNIT" val="0"/>
-  <p:tag name="KSO_WM_UNIT_ID" val="_11**"/>
-  <p:tag name="KSO_WM_UNIT_LAYERLEVEL" val="1"/>
-  <p:tag name="KSO_WM_TAG_VERSION" val="1.0"/>
-  <p:tag name="KSO_WM_BEAUTIFY_FLAG" val="#wm#"/>
-</p:tagLst>
-</file>
-
-<file path=ppt/tags/tag53.xml><?xml version="1.0" encoding="utf-8"?>
-<p:tagLst xmlns:p="http://schemas.openxmlformats.org/presentationml/2006/main">
-  <p:tag name="KSO_WM_UNIT_HIGHLIGHT" val="0"/>
-  <p:tag name="KSO_WM_UNIT_COMPATIBLE" val="0"/>
-  <p:tag name="KSO_WM_UNIT_DIAGRAM_ISNUMVISUAL" val="0"/>
-  <p:tag name="KSO_WM_UNIT_DIAGRAM_ISREFERUNIT" val="0"/>
-  <p:tag name="KSO_WM_UNIT_ID" val="_11**"/>
-  <p:tag name="KSO_WM_UNIT_LAYERLEVEL" val="1"/>
-  <p:tag name="KSO_WM_TAG_VERSION" val="1.0"/>
-  <p:tag name="KSO_WM_BEAUTIFY_FLAG" val="#wm#"/>
-</p:tagLst>
-</file>
-
-<file path=ppt/tags/tag54.xml><?xml version="1.0" encoding="utf-8"?>
-<p:tagLst xmlns:p="http://schemas.openxmlformats.org/presentationml/2006/main">
-  <p:tag name="KSO_WM_UNIT_HIGHLIGHT" val="0"/>
-  <p:tag name="KSO_WM_UNIT_COMPATIBLE" val="0"/>
-  <p:tag name="KSO_WM_UNIT_DIAGRAM_ISNUMVISUAL" val="0"/>
-  <p:tag name="KSO_WM_UNIT_DIAGRAM_ISREFERUNIT" val="0"/>
-  <p:tag name="KSO_WM_UNIT_ID" val="_11**"/>
-  <p:tag name="KSO_WM_UNIT_LAYERLEVEL" val="1"/>
-  <p:tag name="KSO_WM_TAG_VERSION" val="1.0"/>
-  <p:tag name="KSO_WM_BEAUTIFY_FLAG" val="#wm#"/>
-</p:tagLst>
-</file>
-
-<file path=ppt/tags/tag55.xml><?xml version="1.0" encoding="utf-8"?>
-<p:tagLst xmlns:p="http://schemas.openxmlformats.org/presentationml/2006/main">
-  <p:tag name="KSO_WM_UNIT_HIGHLIGHT" val="0"/>
-  <p:tag name="KSO_WM_UNIT_COMPATIBLE" val="0"/>
-  <p:tag name="KSO_WM_UNIT_DIAGRAM_ISNUMVISUAL" val="0"/>
-  <p:tag name="KSO_WM_UNIT_DIAGRAM_ISREFERUNIT" val="0"/>
-  <p:tag name="KSO_WM_UNIT_ID" val="_11**"/>
-  <p:tag name="KSO_WM_UNIT_LAYERLEVEL" val="1"/>
-  <p:tag name="KSO_WM_TAG_VERSION" val="1.0"/>
-  <p:tag name="KSO_WM_BEAUTIFY_FLAG" val="#wm#"/>
-</p:tagLst>
-</file>
-
-<file path=ppt/tags/tag56.xml><?xml version="1.0" encoding="utf-8"?>
-<p:tagLst xmlns:p="http://schemas.openxmlformats.org/presentationml/2006/main">
-  <p:tag name="KSO_WM_UNIT_HIGHLIGHT" val="0"/>
-  <p:tag name="KSO_WM_UNIT_COMPATIBLE" val="0"/>
-  <p:tag name="KSO_WM_UNIT_DIAGRAM_ISNUMVISUAL" val="0"/>
-  <p:tag name="KSO_WM_UNIT_DIAGRAM_ISREFERUNIT" val="0"/>
-  <p:tag name="KSO_WM_UNIT_ID" val="_11**"/>
-  <p:tag name="KSO_WM_UNIT_LAYERLEVEL" val="1"/>
-  <p:tag name="KSO_WM_TAG_VERSION" val="1.0"/>
-  <p:tag name="KSO_WM_BEAUTIFY_FLAG" val="#wm#"/>
-</p:tagLst>
-</file>
-
-<file path=ppt/tags/tag57.xml><?xml version="1.0" encoding="utf-8"?>
-<p:tagLst xmlns:p="http://schemas.openxmlformats.org/presentationml/2006/main">
-  <p:tag name="KSO_WM_UNIT_HIGHLIGHT" val="0"/>
-  <p:tag name="KSO_WM_UNIT_COMPATIBLE" val="0"/>
-  <p:tag name="KSO_WM_UNIT_DIAGRAM_ISNUMVISUAL" val="0"/>
-  <p:tag name="KSO_WM_UNIT_DIAGRAM_ISREFERUNIT" val="0"/>
-  <p:tag name="KSO_WM_UNIT_ID" val="_0**"/>
-  <p:tag name="KSO_WM_UNIT_LAYERLEVEL" val="1"/>
-  <p:tag name="KSO_WM_TAG_VERSION" val="1.0"/>
-  <p:tag name="KSO_WM_BEAUTIFY_FLAG" val="#wm#"/>
-  <p:tag name="KSO_WM_TEMPLATE_CATEGORY" val="custom"/>
-  <p:tag name="KSO_WM_TEMPLATE_INDEX" val="20205081"/>
-</p:tagLst>
-</file>
-
-<file path=ppt/tags/tag58.xml><?xml version="1.0" encoding="utf-8"?>
-<p:tagLst xmlns:p="http://schemas.openxmlformats.org/presentationml/2006/main">
-  <p:tag name="KSO_WM_UNIT_HIGHLIGHT" val="0"/>
-  <p:tag name="KSO_WM_UNIT_COMPATIBLE" val="0"/>
-  <p:tag name="KSO_WM_UNIT_DIAGRAM_ISNUMVISUAL" val="0"/>
-  <p:tag name="KSO_WM_UNIT_DIAGRAM_ISREFERUNIT" val="0"/>
-  <p:tag name="KSO_WM_UNIT_ID" val="_0**"/>
-  <p:tag name="KSO_WM_UNIT_LAYERLEVEL" val="1"/>
-  <p:tag name="KSO_WM_TAG_VERSION" val="1.0"/>
-  <p:tag name="KSO_WM_BEAUTIFY_FLAG" val="#wm#"/>
-  <p:tag name="KSO_WM_TEMPLATE_CATEGORY" val="custom"/>
-  <p:tag name="KSO_WM_TEMPLATE_INDEX" val="20205081"/>
-</p:tagLst>
-</file>
-
-<file path=ppt/tags/tag59.xml><?xml version="1.0" encoding="utf-8"?>
-<p:tagLst xmlns:p="http://schemas.openxmlformats.org/presentationml/2006/main">
-  <p:tag name="KSO_WM_UNIT_HIGHLIGHT" val="0"/>
-  <p:tag name="KSO_WM_UNIT_COMPATIBLE" val="0"/>
-  <p:tag name="KSO_WM_UNIT_DIAGRAM_ISNUMVISUAL" val="0"/>
-  <p:tag name="KSO_WM_UNIT_DIAGRAM_ISREFERUNIT" val="0"/>
-  <p:tag name="KSO_WM_UNIT_ID" val="_0**"/>
-  <p:tag name="KSO_WM_UNIT_LAYERLEVEL" val="1"/>
-  <p:tag name="KSO_WM_TAG_VERSION" val="1.0"/>
-  <p:tag name="KSO_WM_BEAUTIFY_FLAG" val="#wm#"/>
-</p:tagLst>
-</file>
-
-<file path=ppt/tags/tag6.xml><?xml version="1.0" encoding="utf-8"?>
-<p:tagLst xmlns:p="http://schemas.openxmlformats.org/presentationml/2006/main">
-  <p:tag name="KSO_WM_UNIT_HIGHLIGHT" val="0"/>
-  <p:tag name="KSO_WM_UNIT_COMPATIBLE" val="0"/>
-  <p:tag name="KSO_WM_UNIT_DIAGRAM_ISNUMVISUAL" val="0"/>
-  <p:tag name="KSO_WM_UNIT_DIAGRAM_ISREFERUNIT" val="0"/>
-  <p:tag name="KSO_WM_UNIT_ID" val="_2**"/>
-  <p:tag name="KSO_WM_UNIT_LAYERLEVEL" val="1"/>
-  <p:tag name="KSO_WM_TAG_VERSION" val="1.0"/>
-  <p:tag name="KSO_WM_BEAUTIFY_FLAG" val="#wm#"/>
-</p:tagLst>
-</file>
-
-<file path=ppt/tags/tag60.xml><?xml version="1.0" encoding="utf-8"?>
-<p:tagLst xmlns:p="http://schemas.openxmlformats.org/presentationml/2006/main">
-  <p:tag name="KSO_WM_UNIT_HIGHLIGHT" val="0"/>
-  <p:tag name="KSO_WM_UNIT_COMPATIBLE" val="0"/>
-  <p:tag name="KSO_WM_UNIT_DIAGRAM_ISNUMVISUAL" val="0"/>
-  <p:tag name="KSO_WM_UNIT_DIAGRAM_ISREFERUNIT" val="0"/>
-  <p:tag name="KSO_WM_UNIT_ID" val="_0**"/>
-  <p:tag name="KSO_WM_UNIT_LAYERLEVEL" val="1"/>
-  <p:tag name="KSO_WM_TAG_VERSION" val="1.0"/>
-  <p:tag name="KSO_WM_BEAUTIFY_FLAG" val="#wm#"/>
-</p:tagLst>
-</file>
-
-<file path=ppt/tags/tag61.xml><?xml version="1.0" encoding="utf-8"?>
-<p:tagLst xmlns:p="http://schemas.openxmlformats.org/presentationml/2006/main">
-  <p:tag name="KSO_WM_UNIT_HIGHLIGHT" val="0"/>
-  <p:tag name="KSO_WM_UNIT_COMPATIBLE" val="0"/>
-  <p:tag name="KSO_WM_UNIT_DIAGRAM_ISNUMVISUAL" val="0"/>
-  <p:tag name="KSO_WM_UNIT_DIAGRAM_ISREFERUNIT" val="0"/>
-  <p:tag name="KSO_WM_UNIT_ID" val="_0**"/>
-  <p:tag name="KSO_WM_UNIT_LAYERLEVEL" val="1"/>
-  <p:tag name="KSO_WM_TAG_VERSION" val="1.0"/>
-  <p:tag name="KSO_WM_BEAUTIFY_FLAG" val="#wm#"/>
-</p:tagLst>
-</file>
-
-<file path=ppt/tags/tag62.xml><?xml version="1.0" encoding="utf-8"?>
-<p:tagLst xmlns:p="http://schemas.openxmlformats.org/presentationml/2006/main">
+<p:tagLst xmlns:a="http://schemas.openxmlformats.org/drawingml/2006/main" xmlns:r="http://schemas.openxmlformats.org/officeDocument/2006/relationships" xmlns:p="http://schemas.openxmlformats.org/presentationml/2006/main">
   <p:tag name="KSO_WM_TEMPLATE_THUMBS_INDEX" val="1、4、7、12、13、14、15、16、17、18、20、24、25、28、33、36、40、43、44"/>
   <p:tag name="KSO_WM_TEMPLATE_SUBCATEGORY" val="19"/>
   <p:tag name="KSO_WM_TAG_VERSION" val="1.0"/>
@@ -4459,8 +3746,766 @@
 </p:tagLst>
 </file>
 
+<file path=ppt/tags/tag10.xml><?xml version="1.0" encoding="utf-8"?>
+<p:tagLst xmlns:a="http://schemas.openxmlformats.org/drawingml/2006/main" xmlns:r="http://schemas.openxmlformats.org/officeDocument/2006/relationships" xmlns:p="http://schemas.openxmlformats.org/presentationml/2006/main">
+  <p:tag name="KSO_WM_UNIT_HIGHLIGHT" val="0"/>
+  <p:tag name="KSO_WM_UNIT_COMPATIBLE" val="0"/>
+  <p:tag name="KSO_WM_UNIT_DIAGRAM_ISNUMVISUAL" val="0"/>
+  <p:tag name="KSO_WM_UNIT_DIAGRAM_ISREFERUNIT" val="0"/>
+  <p:tag name="KSO_WM_UNIT_ID" val="_1**"/>
+  <p:tag name="KSO_WM_UNIT_LAYERLEVEL" val="1"/>
+  <p:tag name="KSO_WM_TAG_VERSION" val="1.0"/>
+  <p:tag name="KSO_WM_BEAUTIFY_FLAG" val="#wm#"/>
+</p:tagLst>
+</file>
+
+<file path=ppt/tags/tag11.xml><?xml version="1.0" encoding="utf-8"?>
+<p:tagLst xmlns:a="http://schemas.openxmlformats.org/drawingml/2006/main" xmlns:r="http://schemas.openxmlformats.org/officeDocument/2006/relationships" xmlns:p="http://schemas.openxmlformats.org/presentationml/2006/main">
+  <p:tag name="KSO_WM_UNIT_HIGHLIGHT" val="0"/>
+  <p:tag name="KSO_WM_UNIT_COMPATIBLE" val="0"/>
+  <p:tag name="KSO_WM_UNIT_DIAGRAM_ISNUMVISUAL" val="0"/>
+  <p:tag name="KSO_WM_UNIT_DIAGRAM_ISREFERUNIT" val="0"/>
+  <p:tag name="KSO_WM_UNIT_ID" val="_1**"/>
+  <p:tag name="KSO_WM_UNIT_LAYERLEVEL" val="1"/>
+  <p:tag name="KSO_WM_TAG_VERSION" val="1.0"/>
+  <p:tag name="KSO_WM_BEAUTIFY_FLAG" val="#wm#"/>
+</p:tagLst>
+</file>
+
+<file path=ppt/tags/tag12.xml><?xml version="1.0" encoding="utf-8"?>
+<p:tagLst xmlns:a="http://schemas.openxmlformats.org/drawingml/2006/main" xmlns:r="http://schemas.openxmlformats.org/officeDocument/2006/relationships" xmlns:p="http://schemas.openxmlformats.org/presentationml/2006/main">
+  <p:tag name="KSO_WM_UNIT_HIGHLIGHT" val="0"/>
+  <p:tag name="KSO_WM_UNIT_COMPATIBLE" val="0"/>
+  <p:tag name="KSO_WM_UNIT_DIAGRAM_ISNUMVISUAL" val="0"/>
+  <p:tag name="KSO_WM_UNIT_DIAGRAM_ISREFERUNIT" val="0"/>
+  <p:tag name="KSO_WM_UNIT_ID" val="_2**"/>
+  <p:tag name="KSO_WM_UNIT_LAYERLEVEL" val="1"/>
+  <p:tag name="KSO_WM_TAG_VERSION" val="1.0"/>
+  <p:tag name="KSO_WM_BEAUTIFY_FLAG" val="#wm#"/>
+</p:tagLst>
+</file>
+
+<file path=ppt/tags/tag13.xml><?xml version="1.0" encoding="utf-8"?>
+<p:tagLst xmlns:a="http://schemas.openxmlformats.org/drawingml/2006/main" xmlns:r="http://schemas.openxmlformats.org/officeDocument/2006/relationships" xmlns:p="http://schemas.openxmlformats.org/presentationml/2006/main">
+  <p:tag name="KSO_WM_UNIT_HIGHLIGHT" val="0"/>
+  <p:tag name="KSO_WM_UNIT_COMPATIBLE" val="0"/>
+  <p:tag name="KSO_WM_UNIT_DIAGRAM_ISNUMVISUAL" val="0"/>
+  <p:tag name="KSO_WM_UNIT_DIAGRAM_ISREFERUNIT" val="0"/>
+  <p:tag name="KSO_WM_UNIT_ID" val="_2**"/>
+  <p:tag name="KSO_WM_UNIT_LAYERLEVEL" val="1"/>
+  <p:tag name="KSO_WM_TAG_VERSION" val="1.0"/>
+  <p:tag name="KSO_WM_BEAUTIFY_FLAG" val="#wm#"/>
+</p:tagLst>
+</file>
+
+<file path=ppt/tags/tag14.xml><?xml version="1.0" encoding="utf-8"?>
+<p:tagLst xmlns:a="http://schemas.openxmlformats.org/drawingml/2006/main" xmlns:r="http://schemas.openxmlformats.org/officeDocument/2006/relationships" xmlns:p="http://schemas.openxmlformats.org/presentationml/2006/main">
+  <p:tag name="KSO_WM_UNIT_HIGHLIGHT" val="0"/>
+  <p:tag name="KSO_WM_UNIT_COMPATIBLE" val="0"/>
+  <p:tag name="KSO_WM_UNIT_DIAGRAM_ISNUMVISUAL" val="0"/>
+  <p:tag name="KSO_WM_UNIT_DIAGRAM_ISREFERUNIT" val="0"/>
+  <p:tag name="KSO_WM_UNIT_ID" val="_2**"/>
+  <p:tag name="KSO_WM_UNIT_LAYERLEVEL" val="1"/>
+  <p:tag name="KSO_WM_TAG_VERSION" val="1.0"/>
+  <p:tag name="KSO_WM_BEAUTIFY_FLAG" val="#wm#"/>
+</p:tagLst>
+</file>
+
+<file path=ppt/tags/tag15.xml><?xml version="1.0" encoding="utf-8"?>
+<p:tagLst xmlns:a="http://schemas.openxmlformats.org/drawingml/2006/main" xmlns:r="http://schemas.openxmlformats.org/officeDocument/2006/relationships" xmlns:p="http://schemas.openxmlformats.org/presentationml/2006/main">
+  <p:tag name="KSO_WM_UNIT_HIGHLIGHT" val="0"/>
+  <p:tag name="KSO_WM_UNIT_COMPATIBLE" val="0"/>
+  <p:tag name="KSO_WM_UNIT_DIAGRAM_ISNUMVISUAL" val="0"/>
+  <p:tag name="KSO_WM_UNIT_DIAGRAM_ISREFERUNIT" val="0"/>
+  <p:tag name="KSO_WM_UNIT_ID" val="_2**"/>
+  <p:tag name="KSO_WM_UNIT_LAYERLEVEL" val="1"/>
+  <p:tag name="KSO_WM_TAG_VERSION" val="1.0"/>
+  <p:tag name="KSO_WM_BEAUTIFY_FLAG" val="#wm#"/>
+</p:tagLst>
+</file>
+
+<file path=ppt/tags/tag16.xml><?xml version="1.0" encoding="utf-8"?>
+<p:tagLst xmlns:a="http://schemas.openxmlformats.org/drawingml/2006/main" xmlns:r="http://schemas.openxmlformats.org/officeDocument/2006/relationships" xmlns:p="http://schemas.openxmlformats.org/presentationml/2006/main">
+  <p:tag name="KSO_WM_UNIT_HIGHLIGHT" val="0"/>
+  <p:tag name="KSO_WM_UNIT_COMPATIBLE" val="0"/>
+  <p:tag name="KSO_WM_UNIT_DIAGRAM_ISNUMVISUAL" val="0"/>
+  <p:tag name="KSO_WM_UNIT_DIAGRAM_ISREFERUNIT" val="0"/>
+  <p:tag name="KSO_WM_UNIT_ID" val="_2**"/>
+  <p:tag name="KSO_WM_UNIT_LAYERLEVEL" val="1"/>
+  <p:tag name="KSO_WM_TAG_VERSION" val="1.0"/>
+  <p:tag name="KSO_WM_BEAUTIFY_FLAG" val="#wm#"/>
+</p:tagLst>
+</file>
+
+<file path=ppt/tags/tag17.xml><?xml version="1.0" encoding="utf-8"?>
+<p:tagLst xmlns:a="http://schemas.openxmlformats.org/drawingml/2006/main" xmlns:r="http://schemas.openxmlformats.org/officeDocument/2006/relationships" xmlns:p="http://schemas.openxmlformats.org/presentationml/2006/main">
+  <p:tag name="KSO_WM_UNIT_HIGHLIGHT" val="0"/>
+  <p:tag name="KSO_WM_UNIT_COMPATIBLE" val="0"/>
+  <p:tag name="KSO_WM_UNIT_DIAGRAM_ISNUMVISUAL" val="0"/>
+  <p:tag name="KSO_WM_UNIT_DIAGRAM_ISREFERUNIT" val="0"/>
+  <p:tag name="KSO_WM_UNIT_ID" val="_3**"/>
+  <p:tag name="KSO_WM_UNIT_LAYERLEVEL" val="1"/>
+  <p:tag name="KSO_WM_TAG_VERSION" val="1.0"/>
+  <p:tag name="KSO_WM_BEAUTIFY_FLAG" val="#wm#"/>
+</p:tagLst>
+</file>
+
+<file path=ppt/tags/tag18.xml><?xml version="1.0" encoding="utf-8"?>
+<p:tagLst xmlns:a="http://schemas.openxmlformats.org/drawingml/2006/main" xmlns:r="http://schemas.openxmlformats.org/officeDocument/2006/relationships" xmlns:p="http://schemas.openxmlformats.org/presentationml/2006/main">
+  <p:tag name="KSO_WM_UNIT_HIGHLIGHT" val="0"/>
+  <p:tag name="KSO_WM_UNIT_COMPATIBLE" val="0"/>
+  <p:tag name="KSO_WM_UNIT_DIAGRAM_ISNUMVISUAL" val="0"/>
+  <p:tag name="KSO_WM_UNIT_DIAGRAM_ISREFERUNIT" val="0"/>
+  <p:tag name="KSO_WM_UNIT_ID" val="_3**"/>
+  <p:tag name="KSO_WM_UNIT_LAYERLEVEL" val="1"/>
+  <p:tag name="KSO_WM_TAG_VERSION" val="1.0"/>
+  <p:tag name="KSO_WM_BEAUTIFY_FLAG" val="#wm#"/>
+</p:tagLst>
+</file>
+
+<file path=ppt/tags/tag19.xml><?xml version="1.0" encoding="utf-8"?>
+<p:tagLst xmlns:a="http://schemas.openxmlformats.org/drawingml/2006/main" xmlns:r="http://schemas.openxmlformats.org/officeDocument/2006/relationships" xmlns:p="http://schemas.openxmlformats.org/presentationml/2006/main">
+  <p:tag name="KSO_WM_UNIT_HIGHLIGHT" val="0"/>
+  <p:tag name="KSO_WM_UNIT_COMPATIBLE" val="0"/>
+  <p:tag name="KSO_WM_UNIT_DIAGRAM_ISNUMVISUAL" val="0"/>
+  <p:tag name="KSO_WM_UNIT_DIAGRAM_ISREFERUNIT" val="0"/>
+  <p:tag name="KSO_WM_UNIT_ID" val="_3**"/>
+  <p:tag name="KSO_WM_UNIT_LAYERLEVEL" val="1"/>
+  <p:tag name="KSO_WM_TAG_VERSION" val="1.0"/>
+  <p:tag name="KSO_WM_BEAUTIFY_FLAG" val="#wm#"/>
+</p:tagLst>
+</file>
+
+<file path=ppt/tags/tag2.xml><?xml version="1.0" encoding="utf-8"?>
+<p:tagLst xmlns:a="http://schemas.openxmlformats.org/drawingml/2006/main" xmlns:r="http://schemas.openxmlformats.org/officeDocument/2006/relationships" xmlns:p="http://schemas.openxmlformats.org/presentationml/2006/main">
+  <p:tag name="KSO_WM_UNIT_HIGHLIGHT" val="0"/>
+  <p:tag name="KSO_WM_UNIT_COMPATIBLE" val="0"/>
+  <p:tag name="KSO_WM_UNIT_DIAGRAM_ISNUMVISUAL" val="0"/>
+  <p:tag name="KSO_WM_UNIT_DIAGRAM_ISREFERUNIT" val="0"/>
+  <p:tag name="KSO_WM_UNIT_ID" val="_0**"/>
+  <p:tag name="KSO_WM_UNIT_LAYERLEVEL" val="1"/>
+  <p:tag name="KSO_WM_TAG_VERSION" val="1.0"/>
+  <p:tag name="KSO_WM_BEAUTIFY_FLAG" val="#wm#"/>
+  <p:tag name="KSO_WM_TEMPLATE_CATEGORY" val="custom"/>
+  <p:tag name="KSO_WM_TEMPLATE_INDEX" val="20205081"/>
+</p:tagLst>
+</file>
+
+<file path=ppt/tags/tag20.xml><?xml version="1.0" encoding="utf-8"?>
+<p:tagLst xmlns:a="http://schemas.openxmlformats.org/drawingml/2006/main" xmlns:r="http://schemas.openxmlformats.org/officeDocument/2006/relationships" xmlns:p="http://schemas.openxmlformats.org/presentationml/2006/main">
+  <p:tag name="KSO_WM_UNIT_HIGHLIGHT" val="0"/>
+  <p:tag name="KSO_WM_UNIT_COMPATIBLE" val="0"/>
+  <p:tag name="KSO_WM_UNIT_DIAGRAM_ISNUMVISUAL" val="0"/>
+  <p:tag name="KSO_WM_UNIT_DIAGRAM_ISREFERUNIT" val="0"/>
+  <p:tag name="KSO_WM_UNIT_ID" val="_3**"/>
+  <p:tag name="KSO_WM_UNIT_LAYERLEVEL" val="1"/>
+  <p:tag name="KSO_WM_TAG_VERSION" val="1.0"/>
+  <p:tag name="KSO_WM_BEAUTIFY_FLAG" val="#wm#"/>
+</p:tagLst>
+</file>
+
+<file path=ppt/tags/tag21.xml><?xml version="1.0" encoding="utf-8"?>
+<p:tagLst xmlns:a="http://schemas.openxmlformats.org/drawingml/2006/main" xmlns:r="http://schemas.openxmlformats.org/officeDocument/2006/relationships" xmlns:p="http://schemas.openxmlformats.org/presentationml/2006/main">
+  <p:tag name="KSO_WM_UNIT_HIGHLIGHT" val="0"/>
+  <p:tag name="KSO_WM_UNIT_COMPATIBLE" val="0"/>
+  <p:tag name="KSO_WM_UNIT_DIAGRAM_ISNUMVISUAL" val="0"/>
+  <p:tag name="KSO_WM_UNIT_DIAGRAM_ISREFERUNIT" val="0"/>
+  <p:tag name="KSO_WM_UNIT_ID" val="_3**"/>
+  <p:tag name="KSO_WM_UNIT_LAYERLEVEL" val="1"/>
+  <p:tag name="KSO_WM_TAG_VERSION" val="1.0"/>
+  <p:tag name="KSO_WM_BEAUTIFY_FLAG" val="#wm#"/>
+</p:tagLst>
+</file>
+
+<file path=ppt/tags/tag22.xml><?xml version="1.0" encoding="utf-8"?>
+<p:tagLst xmlns:a="http://schemas.openxmlformats.org/drawingml/2006/main" xmlns:r="http://schemas.openxmlformats.org/officeDocument/2006/relationships" xmlns:p="http://schemas.openxmlformats.org/presentationml/2006/main">
+  <p:tag name="KSO_WM_UNIT_HIGHLIGHT" val="0"/>
+  <p:tag name="KSO_WM_UNIT_COMPATIBLE" val="0"/>
+  <p:tag name="KSO_WM_UNIT_DIAGRAM_ISNUMVISUAL" val="0"/>
+  <p:tag name="KSO_WM_UNIT_DIAGRAM_ISREFERUNIT" val="0"/>
+  <p:tag name="KSO_WM_UNIT_ID" val="_4**"/>
+  <p:tag name="KSO_WM_UNIT_LAYERLEVEL" val="1"/>
+  <p:tag name="KSO_WM_TAG_VERSION" val="1.0"/>
+  <p:tag name="KSO_WM_BEAUTIFY_FLAG" val="#wm#"/>
+</p:tagLst>
+</file>
+
+<file path=ppt/tags/tag23.xml><?xml version="1.0" encoding="utf-8"?>
+<p:tagLst xmlns:a="http://schemas.openxmlformats.org/drawingml/2006/main" xmlns:r="http://schemas.openxmlformats.org/officeDocument/2006/relationships" xmlns:p="http://schemas.openxmlformats.org/presentationml/2006/main">
+  <p:tag name="KSO_WM_UNIT_HIGHLIGHT" val="0"/>
+  <p:tag name="KSO_WM_UNIT_COMPATIBLE" val="0"/>
+  <p:tag name="KSO_WM_UNIT_DIAGRAM_ISNUMVISUAL" val="0"/>
+  <p:tag name="KSO_WM_UNIT_DIAGRAM_ISREFERUNIT" val="0"/>
+  <p:tag name="KSO_WM_UNIT_ID" val="_4**"/>
+  <p:tag name="KSO_WM_UNIT_LAYERLEVEL" val="1"/>
+  <p:tag name="KSO_WM_TAG_VERSION" val="1.0"/>
+  <p:tag name="KSO_WM_BEAUTIFY_FLAG" val="#wm#"/>
+</p:tagLst>
+</file>
+
+<file path=ppt/tags/tag24.xml><?xml version="1.0" encoding="utf-8"?>
+<p:tagLst xmlns:a="http://schemas.openxmlformats.org/drawingml/2006/main" xmlns:r="http://schemas.openxmlformats.org/officeDocument/2006/relationships" xmlns:p="http://schemas.openxmlformats.org/presentationml/2006/main">
+  <p:tag name="KSO_WM_UNIT_HIGHLIGHT" val="0"/>
+  <p:tag name="KSO_WM_UNIT_COMPATIBLE" val="0"/>
+  <p:tag name="KSO_WM_UNIT_DIAGRAM_ISNUMVISUAL" val="0"/>
+  <p:tag name="KSO_WM_UNIT_DIAGRAM_ISREFERUNIT" val="0"/>
+  <p:tag name="KSO_WM_UNIT_ID" val="_4**"/>
+  <p:tag name="KSO_WM_UNIT_LAYERLEVEL" val="1"/>
+  <p:tag name="KSO_WM_TAG_VERSION" val="1.0"/>
+  <p:tag name="KSO_WM_BEAUTIFY_FLAG" val="#wm#"/>
+</p:tagLst>
+</file>
+
+<file path=ppt/tags/tag25.xml><?xml version="1.0" encoding="utf-8"?>
+<p:tagLst xmlns:a="http://schemas.openxmlformats.org/drawingml/2006/main" xmlns:r="http://schemas.openxmlformats.org/officeDocument/2006/relationships" xmlns:p="http://schemas.openxmlformats.org/presentationml/2006/main">
+  <p:tag name="KSO_WM_UNIT_HIGHLIGHT" val="0"/>
+  <p:tag name="KSO_WM_UNIT_COMPATIBLE" val="0"/>
+  <p:tag name="KSO_WM_UNIT_DIAGRAM_ISNUMVISUAL" val="0"/>
+  <p:tag name="KSO_WM_UNIT_DIAGRAM_ISREFERUNIT" val="0"/>
+  <p:tag name="KSO_WM_UNIT_ID" val="_4**"/>
+  <p:tag name="KSO_WM_UNIT_LAYERLEVEL" val="1"/>
+  <p:tag name="KSO_WM_TAG_VERSION" val="1.0"/>
+  <p:tag name="KSO_WM_BEAUTIFY_FLAG" val="#wm#"/>
+</p:tagLst>
+</file>
+
+<file path=ppt/tags/tag26.xml><?xml version="1.0" encoding="utf-8"?>
+<p:tagLst xmlns:a="http://schemas.openxmlformats.org/drawingml/2006/main" xmlns:r="http://schemas.openxmlformats.org/officeDocument/2006/relationships" xmlns:p="http://schemas.openxmlformats.org/presentationml/2006/main">
+  <p:tag name="KSO_WM_UNIT_HIGHLIGHT" val="0"/>
+  <p:tag name="KSO_WM_UNIT_COMPATIBLE" val="0"/>
+  <p:tag name="KSO_WM_UNIT_DIAGRAM_ISNUMVISUAL" val="0"/>
+  <p:tag name="KSO_WM_UNIT_DIAGRAM_ISREFERUNIT" val="0"/>
+  <p:tag name="KSO_WM_UNIT_ID" val="_4**"/>
+  <p:tag name="KSO_WM_UNIT_LAYERLEVEL" val="1"/>
+  <p:tag name="KSO_WM_TAG_VERSION" val="1.0"/>
+  <p:tag name="KSO_WM_BEAUTIFY_FLAG" val="#wm#"/>
+</p:tagLst>
+</file>
+
+<file path=ppt/tags/tag27.xml><?xml version="1.0" encoding="utf-8"?>
+<p:tagLst xmlns:a="http://schemas.openxmlformats.org/drawingml/2006/main" xmlns:r="http://schemas.openxmlformats.org/officeDocument/2006/relationships" xmlns:p="http://schemas.openxmlformats.org/presentationml/2006/main">
+  <p:tag name="KSO_WM_UNIT_HIGHLIGHT" val="0"/>
+  <p:tag name="KSO_WM_UNIT_COMPATIBLE" val="0"/>
+  <p:tag name="KSO_WM_UNIT_DIAGRAM_ISNUMVISUAL" val="0"/>
+  <p:tag name="KSO_WM_UNIT_DIAGRAM_ISREFERUNIT" val="0"/>
+  <p:tag name="KSO_WM_UNIT_ID" val="_4**"/>
+  <p:tag name="KSO_WM_UNIT_LAYERLEVEL" val="1"/>
+  <p:tag name="KSO_WM_TAG_VERSION" val="1.0"/>
+  <p:tag name="KSO_WM_BEAUTIFY_FLAG" val="#wm#"/>
+</p:tagLst>
+</file>
+
+<file path=ppt/tags/tag28.xml><?xml version="1.0" encoding="utf-8"?>
+<p:tagLst xmlns:a="http://schemas.openxmlformats.org/drawingml/2006/main" xmlns:r="http://schemas.openxmlformats.org/officeDocument/2006/relationships" xmlns:p="http://schemas.openxmlformats.org/presentationml/2006/main">
+  <p:tag name="KSO_WM_UNIT_HIGHLIGHT" val="0"/>
+  <p:tag name="KSO_WM_UNIT_COMPATIBLE" val="0"/>
+  <p:tag name="KSO_WM_UNIT_DIAGRAM_ISNUMVISUAL" val="0"/>
+  <p:tag name="KSO_WM_UNIT_DIAGRAM_ISREFERUNIT" val="0"/>
+  <p:tag name="KSO_WM_UNIT_ID" val="_5**"/>
+  <p:tag name="KSO_WM_UNIT_LAYERLEVEL" val="1"/>
+  <p:tag name="KSO_WM_TAG_VERSION" val="1.0"/>
+  <p:tag name="KSO_WM_BEAUTIFY_FLAG" val="#wm#"/>
+</p:tagLst>
+</file>
+
+<file path=ppt/tags/tag29.xml><?xml version="1.0" encoding="utf-8"?>
+<p:tagLst xmlns:a="http://schemas.openxmlformats.org/drawingml/2006/main" xmlns:r="http://schemas.openxmlformats.org/officeDocument/2006/relationships" xmlns:p="http://schemas.openxmlformats.org/presentationml/2006/main">
+  <p:tag name="KSO_WM_UNIT_HIGHLIGHT" val="0"/>
+  <p:tag name="KSO_WM_UNIT_COMPATIBLE" val="0"/>
+  <p:tag name="KSO_WM_UNIT_DIAGRAM_ISNUMVISUAL" val="0"/>
+  <p:tag name="KSO_WM_UNIT_DIAGRAM_ISREFERUNIT" val="0"/>
+  <p:tag name="KSO_WM_UNIT_ID" val="_5**"/>
+  <p:tag name="KSO_WM_UNIT_LAYERLEVEL" val="1"/>
+  <p:tag name="KSO_WM_TAG_VERSION" val="1.0"/>
+  <p:tag name="KSO_WM_BEAUTIFY_FLAG" val="#wm#"/>
+</p:tagLst>
+</file>
+
+<file path=ppt/tags/tag3.xml><?xml version="1.0" encoding="utf-8"?>
+<p:tagLst xmlns:a="http://schemas.openxmlformats.org/drawingml/2006/main" xmlns:r="http://schemas.openxmlformats.org/officeDocument/2006/relationships" xmlns:p="http://schemas.openxmlformats.org/presentationml/2006/main">
+  <p:tag name="KSO_WM_UNIT_HIGHLIGHT" val="0"/>
+  <p:tag name="KSO_WM_UNIT_COMPATIBLE" val="0"/>
+  <p:tag name="KSO_WM_UNIT_DIAGRAM_ISNUMVISUAL" val="0"/>
+  <p:tag name="KSO_WM_UNIT_DIAGRAM_ISREFERUNIT" val="0"/>
+  <p:tag name="KSO_WM_UNIT_ID" val="_0**"/>
+  <p:tag name="KSO_WM_UNIT_LAYERLEVEL" val="1"/>
+  <p:tag name="KSO_WM_TAG_VERSION" val="1.0"/>
+  <p:tag name="KSO_WM_BEAUTIFY_FLAG" val="#wm#"/>
+  <p:tag name="KSO_WM_TEMPLATE_CATEGORY" val="custom"/>
+  <p:tag name="KSO_WM_TEMPLATE_INDEX" val="20205081"/>
+</p:tagLst>
+</file>
+
+<file path=ppt/tags/tag30.xml><?xml version="1.0" encoding="utf-8"?>
+<p:tagLst xmlns:a="http://schemas.openxmlformats.org/drawingml/2006/main" xmlns:r="http://schemas.openxmlformats.org/officeDocument/2006/relationships" xmlns:p="http://schemas.openxmlformats.org/presentationml/2006/main">
+  <p:tag name="KSO_WM_UNIT_HIGHLIGHT" val="0"/>
+  <p:tag name="KSO_WM_UNIT_COMPATIBLE" val="0"/>
+  <p:tag name="KSO_WM_UNIT_DIAGRAM_ISNUMVISUAL" val="0"/>
+  <p:tag name="KSO_WM_UNIT_DIAGRAM_ISREFERUNIT" val="0"/>
+  <p:tag name="KSO_WM_UNIT_ID" val="_5**"/>
+  <p:tag name="KSO_WM_UNIT_LAYERLEVEL" val="1"/>
+  <p:tag name="KSO_WM_TAG_VERSION" val="1.0"/>
+  <p:tag name="KSO_WM_BEAUTIFY_FLAG" val="#wm#"/>
+</p:tagLst>
+</file>
+
+<file path=ppt/tags/tag31.xml><?xml version="1.0" encoding="utf-8"?>
+<p:tagLst xmlns:a="http://schemas.openxmlformats.org/drawingml/2006/main" xmlns:r="http://schemas.openxmlformats.org/officeDocument/2006/relationships" xmlns:p="http://schemas.openxmlformats.org/presentationml/2006/main">
+  <p:tag name="KSO_WM_UNIT_HIGHLIGHT" val="0"/>
+  <p:tag name="KSO_WM_UNIT_COMPATIBLE" val="0"/>
+  <p:tag name="KSO_WM_UNIT_DIAGRAM_ISNUMVISUAL" val="0"/>
+  <p:tag name="KSO_WM_UNIT_DIAGRAM_ISREFERUNIT" val="0"/>
+  <p:tag name="KSO_WM_UNIT_ID" val="_5**"/>
+  <p:tag name="KSO_WM_UNIT_LAYERLEVEL" val="1"/>
+  <p:tag name="KSO_WM_TAG_VERSION" val="1.0"/>
+  <p:tag name="KSO_WM_BEAUTIFY_FLAG" val="#wm#"/>
+</p:tagLst>
+</file>
+
+<file path=ppt/tags/tag32.xml><?xml version="1.0" encoding="utf-8"?>
+<p:tagLst xmlns:a="http://schemas.openxmlformats.org/drawingml/2006/main" xmlns:r="http://schemas.openxmlformats.org/officeDocument/2006/relationships" xmlns:p="http://schemas.openxmlformats.org/presentationml/2006/main">
+  <p:tag name="KSO_WM_UNIT_HIGHLIGHT" val="0"/>
+  <p:tag name="KSO_WM_UNIT_COMPATIBLE" val="0"/>
+  <p:tag name="KSO_WM_UNIT_DIAGRAM_ISNUMVISUAL" val="0"/>
+  <p:tag name="KSO_WM_UNIT_DIAGRAM_ISREFERUNIT" val="0"/>
+  <p:tag name="KSO_WM_UNIT_ID" val="_5**"/>
+  <p:tag name="KSO_WM_UNIT_LAYERLEVEL" val="1"/>
+  <p:tag name="KSO_WM_TAG_VERSION" val="1.0"/>
+  <p:tag name="KSO_WM_BEAUTIFY_FLAG" val="#wm#"/>
+</p:tagLst>
+</file>
+
+<file path=ppt/tags/tag33.xml><?xml version="1.0" encoding="utf-8"?>
+<p:tagLst xmlns:a="http://schemas.openxmlformats.org/drawingml/2006/main" xmlns:r="http://schemas.openxmlformats.org/officeDocument/2006/relationships" xmlns:p="http://schemas.openxmlformats.org/presentationml/2006/main">
+  <p:tag name="KSO_WM_UNIT_HIGHLIGHT" val="0"/>
+  <p:tag name="KSO_WM_UNIT_COMPATIBLE" val="0"/>
+  <p:tag name="KSO_WM_UNIT_DIAGRAM_ISNUMVISUAL" val="0"/>
+  <p:tag name="KSO_WM_UNIT_DIAGRAM_ISREFERUNIT" val="0"/>
+  <p:tag name="KSO_WM_UNIT_ID" val="_5**"/>
+  <p:tag name="KSO_WM_UNIT_LAYERLEVEL" val="1"/>
+  <p:tag name="KSO_WM_TAG_VERSION" val="1.0"/>
+  <p:tag name="KSO_WM_BEAUTIFY_FLAG" val="#wm#"/>
+</p:tagLst>
+</file>
+
+<file path=ppt/tags/tag34.xml><?xml version="1.0" encoding="utf-8"?>
+<p:tagLst xmlns:a="http://schemas.openxmlformats.org/drawingml/2006/main" xmlns:r="http://schemas.openxmlformats.org/officeDocument/2006/relationships" xmlns:p="http://schemas.openxmlformats.org/presentationml/2006/main">
+  <p:tag name="KSO_WM_UNIT_HIGHLIGHT" val="0"/>
+  <p:tag name="KSO_WM_UNIT_COMPATIBLE" val="0"/>
+  <p:tag name="KSO_WM_UNIT_DIAGRAM_ISNUMVISUAL" val="0"/>
+  <p:tag name="KSO_WM_UNIT_DIAGRAM_ISREFERUNIT" val="0"/>
+  <p:tag name="KSO_WM_UNIT_ID" val="_5**"/>
+  <p:tag name="KSO_WM_UNIT_LAYERLEVEL" val="1"/>
+  <p:tag name="KSO_WM_TAG_VERSION" val="1.0"/>
+  <p:tag name="KSO_WM_BEAUTIFY_FLAG" val="#wm#"/>
+</p:tagLst>
+</file>
+
+<file path=ppt/tags/tag35.xml><?xml version="1.0" encoding="utf-8"?>
+<p:tagLst xmlns:a="http://schemas.openxmlformats.org/drawingml/2006/main" xmlns:r="http://schemas.openxmlformats.org/officeDocument/2006/relationships" xmlns:p="http://schemas.openxmlformats.org/presentationml/2006/main">
+  <p:tag name="KSO_WM_UNIT_HIGHLIGHT" val="0"/>
+  <p:tag name="KSO_WM_UNIT_COMPATIBLE" val="0"/>
+  <p:tag name="KSO_WM_UNIT_DIAGRAM_ISNUMVISUAL" val="0"/>
+  <p:tag name="KSO_WM_UNIT_DIAGRAM_ISREFERUNIT" val="0"/>
+  <p:tag name="KSO_WM_UNIT_ID" val="_5**"/>
+  <p:tag name="KSO_WM_UNIT_LAYERLEVEL" val="1"/>
+  <p:tag name="KSO_WM_TAG_VERSION" val="1.0"/>
+  <p:tag name="KSO_WM_BEAUTIFY_FLAG" val="#wm#"/>
+</p:tagLst>
+</file>
+
+<file path=ppt/tags/tag36.xml><?xml version="1.0" encoding="utf-8"?>
+<p:tagLst xmlns:a="http://schemas.openxmlformats.org/drawingml/2006/main" xmlns:r="http://schemas.openxmlformats.org/officeDocument/2006/relationships" xmlns:p="http://schemas.openxmlformats.org/presentationml/2006/main">
+  <p:tag name="KSO_WM_UNIT_HIGHLIGHT" val="0"/>
+  <p:tag name="KSO_WM_UNIT_COMPATIBLE" val="0"/>
+  <p:tag name="KSO_WM_UNIT_DIAGRAM_ISNUMVISUAL" val="0"/>
+  <p:tag name="KSO_WM_UNIT_DIAGRAM_ISREFERUNIT" val="0"/>
+  <p:tag name="KSO_WM_UNIT_ID" val="_6**"/>
+  <p:tag name="KSO_WM_UNIT_LAYERLEVEL" val="1"/>
+  <p:tag name="KSO_WM_TAG_VERSION" val="1.0"/>
+  <p:tag name="KSO_WM_BEAUTIFY_FLAG" val="#wm#"/>
+</p:tagLst>
+</file>
+
+<file path=ppt/tags/tag37.xml><?xml version="1.0" encoding="utf-8"?>
+<p:tagLst xmlns:a="http://schemas.openxmlformats.org/drawingml/2006/main" xmlns:r="http://schemas.openxmlformats.org/officeDocument/2006/relationships" xmlns:p="http://schemas.openxmlformats.org/presentationml/2006/main">
+  <p:tag name="KSO_WM_UNIT_HIGHLIGHT" val="0"/>
+  <p:tag name="KSO_WM_UNIT_COMPATIBLE" val="0"/>
+  <p:tag name="KSO_WM_UNIT_DIAGRAM_ISNUMVISUAL" val="0"/>
+  <p:tag name="KSO_WM_UNIT_DIAGRAM_ISREFERUNIT" val="0"/>
+  <p:tag name="KSO_WM_UNIT_ID" val="_6**"/>
+  <p:tag name="KSO_WM_UNIT_LAYERLEVEL" val="1"/>
+  <p:tag name="KSO_WM_TAG_VERSION" val="1.0"/>
+  <p:tag name="KSO_WM_BEAUTIFY_FLAG" val="#wm#"/>
+</p:tagLst>
+</file>
+
+<file path=ppt/tags/tag38.xml><?xml version="1.0" encoding="utf-8"?>
+<p:tagLst xmlns:a="http://schemas.openxmlformats.org/drawingml/2006/main" xmlns:r="http://schemas.openxmlformats.org/officeDocument/2006/relationships" xmlns:p="http://schemas.openxmlformats.org/presentationml/2006/main">
+  <p:tag name="KSO_WM_UNIT_HIGHLIGHT" val="0"/>
+  <p:tag name="KSO_WM_UNIT_COMPATIBLE" val="0"/>
+  <p:tag name="KSO_WM_UNIT_DIAGRAM_ISNUMVISUAL" val="0"/>
+  <p:tag name="KSO_WM_UNIT_DIAGRAM_ISREFERUNIT" val="0"/>
+  <p:tag name="KSO_WM_UNIT_ID" val="_6**"/>
+  <p:tag name="KSO_WM_UNIT_LAYERLEVEL" val="1"/>
+  <p:tag name="KSO_WM_TAG_VERSION" val="1.0"/>
+  <p:tag name="KSO_WM_BEAUTIFY_FLAG" val="#wm#"/>
+</p:tagLst>
+</file>
+
+<file path=ppt/tags/tag39.xml><?xml version="1.0" encoding="utf-8"?>
+<p:tagLst xmlns:a="http://schemas.openxmlformats.org/drawingml/2006/main" xmlns:r="http://schemas.openxmlformats.org/officeDocument/2006/relationships" xmlns:p="http://schemas.openxmlformats.org/presentationml/2006/main">
+  <p:tag name="KSO_WM_UNIT_HIGHLIGHT" val="0"/>
+  <p:tag name="KSO_WM_UNIT_COMPATIBLE" val="0"/>
+  <p:tag name="KSO_WM_UNIT_DIAGRAM_ISNUMVISUAL" val="0"/>
+  <p:tag name="KSO_WM_UNIT_DIAGRAM_ISREFERUNIT" val="0"/>
+  <p:tag name="KSO_WM_UNIT_ID" val="_6**"/>
+  <p:tag name="KSO_WM_UNIT_LAYERLEVEL" val="1"/>
+  <p:tag name="KSO_WM_TAG_VERSION" val="1.0"/>
+  <p:tag name="KSO_WM_BEAUTIFY_FLAG" val="#wm#"/>
+</p:tagLst>
+</file>
+
+<file path=ppt/tags/tag4.xml><?xml version="1.0" encoding="utf-8"?>
+<p:tagLst xmlns:a="http://schemas.openxmlformats.org/drawingml/2006/main" xmlns:r="http://schemas.openxmlformats.org/officeDocument/2006/relationships" xmlns:p="http://schemas.openxmlformats.org/presentationml/2006/main">
+  <p:tag name="KSO_WM_UNIT_HIGHLIGHT" val="0"/>
+  <p:tag name="KSO_WM_UNIT_COMPATIBLE" val="0"/>
+  <p:tag name="KSO_WM_UNIT_DIAGRAM_ISNUMVISUAL" val="0"/>
+  <p:tag name="KSO_WM_UNIT_DIAGRAM_ISREFERUNIT" val="0"/>
+  <p:tag name="KSO_WM_UNIT_ID" val="_0**"/>
+  <p:tag name="KSO_WM_UNIT_LAYERLEVEL" val="1"/>
+  <p:tag name="KSO_WM_TAG_VERSION" val="1.0"/>
+  <p:tag name="KSO_WM_BEAUTIFY_FLAG" val="#wm#"/>
+</p:tagLst>
+</file>
+
+<file path=ppt/tags/tag40.xml><?xml version="1.0" encoding="utf-8"?>
+<p:tagLst xmlns:a="http://schemas.openxmlformats.org/drawingml/2006/main" xmlns:r="http://schemas.openxmlformats.org/officeDocument/2006/relationships" xmlns:p="http://schemas.openxmlformats.org/presentationml/2006/main">
+  <p:tag name="KSO_WM_UNIT_HIGHLIGHT" val="0"/>
+  <p:tag name="KSO_WM_UNIT_COMPATIBLE" val="0"/>
+  <p:tag name="KSO_WM_UNIT_DIAGRAM_ISNUMVISUAL" val="0"/>
+  <p:tag name="KSO_WM_UNIT_DIAGRAM_ISREFERUNIT" val="0"/>
+  <p:tag name="KSO_WM_UNIT_ID" val="_7**"/>
+  <p:tag name="KSO_WM_UNIT_LAYERLEVEL" val="1"/>
+  <p:tag name="KSO_WM_TAG_VERSION" val="1.0"/>
+  <p:tag name="KSO_WM_BEAUTIFY_FLAG" val="#wm#"/>
+</p:tagLst>
+</file>
+
+<file path=ppt/tags/tag41.xml><?xml version="1.0" encoding="utf-8"?>
+<p:tagLst xmlns:a="http://schemas.openxmlformats.org/drawingml/2006/main" xmlns:r="http://schemas.openxmlformats.org/officeDocument/2006/relationships" xmlns:p="http://schemas.openxmlformats.org/presentationml/2006/main">
+  <p:tag name="KSO_WM_UNIT_HIGHLIGHT" val="0"/>
+  <p:tag name="KSO_WM_UNIT_COMPATIBLE" val="0"/>
+  <p:tag name="KSO_WM_UNIT_DIAGRAM_ISNUMVISUAL" val="0"/>
+  <p:tag name="KSO_WM_UNIT_DIAGRAM_ISREFERUNIT" val="0"/>
+  <p:tag name="KSO_WM_UNIT_ID" val="_7**"/>
+  <p:tag name="KSO_WM_UNIT_LAYERLEVEL" val="1"/>
+  <p:tag name="KSO_WM_TAG_VERSION" val="1.0"/>
+  <p:tag name="KSO_WM_BEAUTIFY_FLAG" val="#wm#"/>
+</p:tagLst>
+</file>
+
+<file path=ppt/tags/tag42.xml><?xml version="1.0" encoding="utf-8"?>
+<p:tagLst xmlns:a="http://schemas.openxmlformats.org/drawingml/2006/main" xmlns:r="http://schemas.openxmlformats.org/officeDocument/2006/relationships" xmlns:p="http://schemas.openxmlformats.org/presentationml/2006/main">
+  <p:tag name="KSO_WM_UNIT_HIGHLIGHT" val="0"/>
+  <p:tag name="KSO_WM_UNIT_COMPATIBLE" val="0"/>
+  <p:tag name="KSO_WM_UNIT_DIAGRAM_ISNUMVISUAL" val="0"/>
+  <p:tag name="KSO_WM_UNIT_DIAGRAM_ISREFERUNIT" val="0"/>
+  <p:tag name="KSO_WM_UNIT_ID" val="_7**"/>
+  <p:tag name="KSO_WM_UNIT_LAYERLEVEL" val="1"/>
+  <p:tag name="KSO_WM_TAG_VERSION" val="1.0"/>
+  <p:tag name="KSO_WM_BEAUTIFY_FLAG" val="#wm#"/>
+</p:tagLst>
+</file>
+
+<file path=ppt/tags/tag43.xml><?xml version="1.0" encoding="utf-8"?>
+<p:tagLst xmlns:a="http://schemas.openxmlformats.org/drawingml/2006/main" xmlns:r="http://schemas.openxmlformats.org/officeDocument/2006/relationships" xmlns:p="http://schemas.openxmlformats.org/presentationml/2006/main">
+  <p:tag name="KSO_WM_UNIT_HIGHLIGHT" val="0"/>
+  <p:tag name="KSO_WM_UNIT_COMPATIBLE" val="0"/>
+  <p:tag name="KSO_WM_UNIT_DIAGRAM_ISNUMVISUAL" val="0"/>
+  <p:tag name="KSO_WM_UNIT_DIAGRAM_ISREFERUNIT" val="0"/>
+  <p:tag name="KSO_WM_UNIT_ID" val="_8**"/>
+  <p:tag name="KSO_WM_UNIT_LAYERLEVEL" val="1"/>
+  <p:tag name="KSO_WM_TAG_VERSION" val="1.0"/>
+  <p:tag name="KSO_WM_BEAUTIFY_FLAG" val="#wm#"/>
+</p:tagLst>
+</file>
+
+<file path=ppt/tags/tag44.xml><?xml version="1.0" encoding="utf-8"?>
+<p:tagLst xmlns:a="http://schemas.openxmlformats.org/drawingml/2006/main" xmlns:r="http://schemas.openxmlformats.org/officeDocument/2006/relationships" xmlns:p="http://schemas.openxmlformats.org/presentationml/2006/main">
+  <p:tag name="KSO_WM_UNIT_HIGHLIGHT" val="0"/>
+  <p:tag name="KSO_WM_UNIT_COMPATIBLE" val="0"/>
+  <p:tag name="KSO_WM_UNIT_DIAGRAM_ISNUMVISUAL" val="0"/>
+  <p:tag name="KSO_WM_UNIT_DIAGRAM_ISREFERUNIT" val="0"/>
+  <p:tag name="KSO_WM_UNIT_ID" val="_8**"/>
+  <p:tag name="KSO_WM_UNIT_LAYERLEVEL" val="1"/>
+  <p:tag name="KSO_WM_TAG_VERSION" val="1.0"/>
+  <p:tag name="KSO_WM_BEAUTIFY_FLAG" val="#wm#"/>
+</p:tagLst>
+</file>
+
+<file path=ppt/tags/tag45.xml><?xml version="1.0" encoding="utf-8"?>
+<p:tagLst xmlns:a="http://schemas.openxmlformats.org/drawingml/2006/main" xmlns:r="http://schemas.openxmlformats.org/officeDocument/2006/relationships" xmlns:p="http://schemas.openxmlformats.org/presentationml/2006/main">
+  <p:tag name="KSO_WM_UNIT_HIGHLIGHT" val="0"/>
+  <p:tag name="KSO_WM_UNIT_COMPATIBLE" val="0"/>
+  <p:tag name="KSO_WM_UNIT_DIAGRAM_ISNUMVISUAL" val="0"/>
+  <p:tag name="KSO_WM_UNIT_DIAGRAM_ISREFERUNIT" val="0"/>
+  <p:tag name="KSO_WM_UNIT_ID" val="_8**"/>
+  <p:tag name="KSO_WM_UNIT_LAYERLEVEL" val="1"/>
+  <p:tag name="KSO_WM_TAG_VERSION" val="1.0"/>
+  <p:tag name="KSO_WM_BEAUTIFY_FLAG" val="#wm#"/>
+</p:tagLst>
+</file>
+
+<file path=ppt/tags/tag46.xml><?xml version="1.0" encoding="utf-8"?>
+<p:tagLst xmlns:a="http://schemas.openxmlformats.org/drawingml/2006/main" xmlns:r="http://schemas.openxmlformats.org/officeDocument/2006/relationships" xmlns:p="http://schemas.openxmlformats.org/presentationml/2006/main">
+  <p:tag name="KSO_WM_UNIT_HIGHLIGHT" val="0"/>
+  <p:tag name="KSO_WM_UNIT_COMPATIBLE" val="0"/>
+  <p:tag name="KSO_WM_UNIT_DIAGRAM_ISNUMVISUAL" val="0"/>
+  <p:tag name="KSO_WM_UNIT_DIAGRAM_ISREFERUNIT" val="0"/>
+  <p:tag name="KSO_WM_UNIT_ID" val="_8**"/>
+  <p:tag name="KSO_WM_UNIT_LAYERLEVEL" val="1"/>
+  <p:tag name="KSO_WM_TAG_VERSION" val="1.0"/>
+  <p:tag name="KSO_WM_BEAUTIFY_FLAG" val="#wm#"/>
+</p:tagLst>
+</file>
+
+<file path=ppt/tags/tag47.xml><?xml version="1.0" encoding="utf-8"?>
+<p:tagLst xmlns:a="http://schemas.openxmlformats.org/drawingml/2006/main" xmlns:r="http://schemas.openxmlformats.org/officeDocument/2006/relationships" xmlns:p="http://schemas.openxmlformats.org/presentationml/2006/main">
+  <p:tag name="KSO_WM_UNIT_HIGHLIGHT" val="0"/>
+  <p:tag name="KSO_WM_UNIT_COMPATIBLE" val="0"/>
+  <p:tag name="KSO_WM_UNIT_DIAGRAM_ISNUMVISUAL" val="0"/>
+  <p:tag name="KSO_WM_UNIT_DIAGRAM_ISREFERUNIT" val="0"/>
+  <p:tag name="KSO_WM_UNIT_ID" val="_8**"/>
+  <p:tag name="KSO_WM_UNIT_LAYERLEVEL" val="1"/>
+  <p:tag name="KSO_WM_TAG_VERSION" val="1.0"/>
+  <p:tag name="KSO_WM_BEAUTIFY_FLAG" val="#wm#"/>
+</p:tagLst>
+</file>
+
+<file path=ppt/tags/tag48.xml><?xml version="1.0" encoding="utf-8"?>
+<p:tagLst xmlns:a="http://schemas.openxmlformats.org/drawingml/2006/main" xmlns:r="http://schemas.openxmlformats.org/officeDocument/2006/relationships" xmlns:p="http://schemas.openxmlformats.org/presentationml/2006/main">
+  <p:tag name="KSO_WM_UNIT_HIGHLIGHT" val="0"/>
+  <p:tag name="KSO_WM_UNIT_COMPATIBLE" val="0"/>
+  <p:tag name="KSO_WM_UNIT_DIAGRAM_ISNUMVISUAL" val="0"/>
+  <p:tag name="KSO_WM_UNIT_DIAGRAM_ISREFERUNIT" val="0"/>
+  <p:tag name="KSO_WM_UNIT_ID" val="_8**"/>
+  <p:tag name="KSO_WM_UNIT_LAYERLEVEL" val="1"/>
+  <p:tag name="KSO_WM_TAG_VERSION" val="1.0"/>
+  <p:tag name="KSO_WM_BEAUTIFY_FLAG" val="#wm#"/>
+</p:tagLst>
+</file>
+
+<file path=ppt/tags/tag49.xml><?xml version="1.0" encoding="utf-8"?>
+<p:tagLst xmlns:a="http://schemas.openxmlformats.org/drawingml/2006/main" xmlns:r="http://schemas.openxmlformats.org/officeDocument/2006/relationships" xmlns:p="http://schemas.openxmlformats.org/presentationml/2006/main">
+  <p:tag name="KSO_WM_UNIT_HIGHLIGHT" val="0"/>
+  <p:tag name="KSO_WM_UNIT_COMPATIBLE" val="0"/>
+  <p:tag name="KSO_WM_UNIT_DIAGRAM_ISNUMVISUAL" val="0"/>
+  <p:tag name="KSO_WM_UNIT_DIAGRAM_ISREFERUNIT" val="0"/>
+  <p:tag name="KSO_WM_UNIT_ID" val="_9**"/>
+  <p:tag name="KSO_WM_UNIT_LAYERLEVEL" val="1"/>
+  <p:tag name="KSO_WM_TAG_VERSION" val="1.0"/>
+  <p:tag name="KSO_WM_BEAUTIFY_FLAG" val="#wm#"/>
+</p:tagLst>
+</file>
+
+<file path=ppt/tags/tag5.xml><?xml version="1.0" encoding="utf-8"?>
+<p:tagLst xmlns:a="http://schemas.openxmlformats.org/drawingml/2006/main" xmlns:r="http://schemas.openxmlformats.org/officeDocument/2006/relationships" xmlns:p="http://schemas.openxmlformats.org/presentationml/2006/main">
+  <p:tag name="KSO_WM_UNIT_HIGHLIGHT" val="0"/>
+  <p:tag name="KSO_WM_UNIT_COMPATIBLE" val="0"/>
+  <p:tag name="KSO_WM_UNIT_DIAGRAM_ISNUMVISUAL" val="0"/>
+  <p:tag name="KSO_WM_UNIT_DIAGRAM_ISREFERUNIT" val="0"/>
+  <p:tag name="KSO_WM_UNIT_ID" val="_0**"/>
+  <p:tag name="KSO_WM_UNIT_LAYERLEVEL" val="1"/>
+  <p:tag name="KSO_WM_TAG_VERSION" val="1.0"/>
+  <p:tag name="KSO_WM_BEAUTIFY_FLAG" val="#wm#"/>
+</p:tagLst>
+</file>
+
+<file path=ppt/tags/tag50.xml><?xml version="1.0" encoding="utf-8"?>
+<p:tagLst xmlns:a="http://schemas.openxmlformats.org/drawingml/2006/main" xmlns:r="http://schemas.openxmlformats.org/officeDocument/2006/relationships" xmlns:p="http://schemas.openxmlformats.org/presentationml/2006/main">
+  <p:tag name="KSO_WM_UNIT_HIGHLIGHT" val="0"/>
+  <p:tag name="KSO_WM_UNIT_COMPATIBLE" val="0"/>
+  <p:tag name="KSO_WM_UNIT_DIAGRAM_ISNUMVISUAL" val="0"/>
+  <p:tag name="KSO_WM_UNIT_DIAGRAM_ISREFERUNIT" val="0"/>
+  <p:tag name="KSO_WM_UNIT_ID" val="_9**"/>
+  <p:tag name="KSO_WM_UNIT_LAYERLEVEL" val="1"/>
+  <p:tag name="KSO_WM_TAG_VERSION" val="1.0"/>
+  <p:tag name="KSO_WM_BEAUTIFY_FLAG" val="#wm#"/>
+</p:tagLst>
+</file>
+
+<file path=ppt/tags/tag51.xml><?xml version="1.0" encoding="utf-8"?>
+<p:tagLst xmlns:a="http://schemas.openxmlformats.org/drawingml/2006/main" xmlns:r="http://schemas.openxmlformats.org/officeDocument/2006/relationships" xmlns:p="http://schemas.openxmlformats.org/presentationml/2006/main">
+  <p:tag name="KSO_WM_UNIT_HIGHLIGHT" val="0"/>
+  <p:tag name="KSO_WM_UNIT_COMPATIBLE" val="0"/>
+  <p:tag name="KSO_WM_UNIT_DIAGRAM_ISNUMVISUAL" val="0"/>
+  <p:tag name="KSO_WM_UNIT_DIAGRAM_ISREFERUNIT" val="0"/>
+  <p:tag name="KSO_WM_UNIT_ID" val="_9**"/>
+  <p:tag name="KSO_WM_UNIT_LAYERLEVEL" val="1"/>
+  <p:tag name="KSO_WM_TAG_VERSION" val="1.0"/>
+  <p:tag name="KSO_WM_BEAUTIFY_FLAG" val="#wm#"/>
+</p:tagLst>
+</file>
+
+<file path=ppt/tags/tag52.xml><?xml version="1.0" encoding="utf-8"?>
+<p:tagLst xmlns:a="http://schemas.openxmlformats.org/drawingml/2006/main" xmlns:r="http://schemas.openxmlformats.org/officeDocument/2006/relationships" xmlns:p="http://schemas.openxmlformats.org/presentationml/2006/main">
+  <p:tag name="KSO_WM_UNIT_HIGHLIGHT" val="0"/>
+  <p:tag name="KSO_WM_UNIT_COMPATIBLE" val="0"/>
+  <p:tag name="KSO_WM_UNIT_DIAGRAM_ISNUMVISUAL" val="0"/>
+  <p:tag name="KSO_WM_UNIT_DIAGRAM_ISREFERUNIT" val="0"/>
+  <p:tag name="KSO_WM_UNIT_ID" val="_9**"/>
+  <p:tag name="KSO_WM_UNIT_LAYERLEVEL" val="1"/>
+  <p:tag name="KSO_WM_TAG_VERSION" val="1.0"/>
+  <p:tag name="KSO_WM_BEAUTIFY_FLAG" val="#wm#"/>
+</p:tagLst>
+</file>
+
+<file path=ppt/tags/tag53.xml><?xml version="1.0" encoding="utf-8"?>
+<p:tagLst xmlns:a="http://schemas.openxmlformats.org/drawingml/2006/main" xmlns:r="http://schemas.openxmlformats.org/officeDocument/2006/relationships" xmlns:p="http://schemas.openxmlformats.org/presentationml/2006/main">
+  <p:tag name="KSO_WM_UNIT_HIGHLIGHT" val="0"/>
+  <p:tag name="KSO_WM_UNIT_COMPATIBLE" val="0"/>
+  <p:tag name="KSO_WM_UNIT_DIAGRAM_ISNUMVISUAL" val="0"/>
+  <p:tag name="KSO_WM_UNIT_DIAGRAM_ISREFERUNIT" val="0"/>
+  <p:tag name="KSO_WM_UNIT_ID" val="_9**"/>
+  <p:tag name="KSO_WM_UNIT_LAYERLEVEL" val="1"/>
+  <p:tag name="KSO_WM_TAG_VERSION" val="1.0"/>
+  <p:tag name="KSO_WM_BEAUTIFY_FLAG" val="#wm#"/>
+</p:tagLst>
+</file>
+
+<file path=ppt/tags/tag54.xml><?xml version="1.0" encoding="utf-8"?>
+<p:tagLst xmlns:a="http://schemas.openxmlformats.org/drawingml/2006/main" xmlns:r="http://schemas.openxmlformats.org/officeDocument/2006/relationships" xmlns:p="http://schemas.openxmlformats.org/presentationml/2006/main">
+  <p:tag name="KSO_WM_UNIT_HIGHLIGHT" val="0"/>
+  <p:tag name="KSO_WM_UNIT_COMPATIBLE" val="0"/>
+  <p:tag name="KSO_WM_UNIT_DIAGRAM_ISNUMVISUAL" val="0"/>
+  <p:tag name="KSO_WM_UNIT_DIAGRAM_ISREFERUNIT" val="0"/>
+  <p:tag name="KSO_WM_UNIT_ID" val="_10**"/>
+  <p:tag name="KSO_WM_UNIT_LAYERLEVEL" val="1"/>
+  <p:tag name="KSO_WM_TAG_VERSION" val="1.0"/>
+  <p:tag name="KSO_WM_BEAUTIFY_FLAG" val="#wm#"/>
+</p:tagLst>
+</file>
+
+<file path=ppt/tags/tag55.xml><?xml version="1.0" encoding="utf-8"?>
+<p:tagLst xmlns:a="http://schemas.openxmlformats.org/drawingml/2006/main" xmlns:r="http://schemas.openxmlformats.org/officeDocument/2006/relationships" xmlns:p="http://schemas.openxmlformats.org/presentationml/2006/main">
+  <p:tag name="KSO_WM_UNIT_HIGHLIGHT" val="0"/>
+  <p:tag name="KSO_WM_UNIT_COMPATIBLE" val="0"/>
+  <p:tag name="KSO_WM_UNIT_DIAGRAM_ISNUMVISUAL" val="0"/>
+  <p:tag name="KSO_WM_UNIT_DIAGRAM_ISREFERUNIT" val="0"/>
+  <p:tag name="KSO_WM_UNIT_ID" val="_10**"/>
+  <p:tag name="KSO_WM_UNIT_LAYERLEVEL" val="1"/>
+  <p:tag name="KSO_WM_TAG_VERSION" val="1.0"/>
+  <p:tag name="KSO_WM_BEAUTIFY_FLAG" val="#wm#"/>
+</p:tagLst>
+</file>
+
+<file path=ppt/tags/tag56.xml><?xml version="1.0" encoding="utf-8"?>
+<p:tagLst xmlns:a="http://schemas.openxmlformats.org/drawingml/2006/main" xmlns:r="http://schemas.openxmlformats.org/officeDocument/2006/relationships" xmlns:p="http://schemas.openxmlformats.org/presentationml/2006/main">
+  <p:tag name="KSO_WM_UNIT_HIGHLIGHT" val="0"/>
+  <p:tag name="KSO_WM_UNIT_COMPATIBLE" val="0"/>
+  <p:tag name="KSO_WM_UNIT_DIAGRAM_ISNUMVISUAL" val="0"/>
+  <p:tag name="KSO_WM_UNIT_DIAGRAM_ISREFERUNIT" val="0"/>
+  <p:tag name="KSO_WM_UNIT_ID" val="_10**"/>
+  <p:tag name="KSO_WM_UNIT_LAYERLEVEL" val="1"/>
+  <p:tag name="KSO_WM_TAG_VERSION" val="1.0"/>
+  <p:tag name="KSO_WM_BEAUTIFY_FLAG" val="#wm#"/>
+</p:tagLst>
+</file>
+
+<file path=ppt/tags/tag57.xml><?xml version="1.0" encoding="utf-8"?>
+<p:tagLst xmlns:a="http://schemas.openxmlformats.org/drawingml/2006/main" xmlns:r="http://schemas.openxmlformats.org/officeDocument/2006/relationships" xmlns:p="http://schemas.openxmlformats.org/presentationml/2006/main">
+  <p:tag name="KSO_WM_UNIT_HIGHLIGHT" val="0"/>
+  <p:tag name="KSO_WM_UNIT_COMPATIBLE" val="0"/>
+  <p:tag name="KSO_WM_UNIT_DIAGRAM_ISNUMVISUAL" val="0"/>
+  <p:tag name="KSO_WM_UNIT_DIAGRAM_ISREFERUNIT" val="0"/>
+  <p:tag name="KSO_WM_UNIT_ID" val="_10**"/>
+  <p:tag name="KSO_WM_UNIT_LAYERLEVEL" val="1"/>
+  <p:tag name="KSO_WM_TAG_VERSION" val="1.0"/>
+  <p:tag name="KSO_WM_BEAUTIFY_FLAG" val="#wm#"/>
+</p:tagLst>
+</file>
+
+<file path=ppt/tags/tag58.xml><?xml version="1.0" encoding="utf-8"?>
+<p:tagLst xmlns:a="http://schemas.openxmlformats.org/drawingml/2006/main" xmlns:r="http://schemas.openxmlformats.org/officeDocument/2006/relationships" xmlns:p="http://schemas.openxmlformats.org/presentationml/2006/main">
+  <p:tag name="KSO_WM_UNIT_HIGHLIGHT" val="0"/>
+  <p:tag name="KSO_WM_UNIT_COMPATIBLE" val="0"/>
+  <p:tag name="KSO_WM_UNIT_DIAGRAM_ISNUMVISUAL" val="0"/>
+  <p:tag name="KSO_WM_UNIT_DIAGRAM_ISREFERUNIT" val="0"/>
+  <p:tag name="KSO_WM_UNIT_ID" val="_11**"/>
+  <p:tag name="KSO_WM_UNIT_LAYERLEVEL" val="1"/>
+  <p:tag name="KSO_WM_TAG_VERSION" val="1.0"/>
+  <p:tag name="KSO_WM_BEAUTIFY_FLAG" val="#wm#"/>
+</p:tagLst>
+</file>
+
+<file path=ppt/tags/tag59.xml><?xml version="1.0" encoding="utf-8"?>
+<p:tagLst xmlns:a="http://schemas.openxmlformats.org/drawingml/2006/main" xmlns:r="http://schemas.openxmlformats.org/officeDocument/2006/relationships" xmlns:p="http://schemas.openxmlformats.org/presentationml/2006/main">
+  <p:tag name="KSO_WM_UNIT_HIGHLIGHT" val="0"/>
+  <p:tag name="KSO_WM_UNIT_COMPATIBLE" val="0"/>
+  <p:tag name="KSO_WM_UNIT_DIAGRAM_ISNUMVISUAL" val="0"/>
+  <p:tag name="KSO_WM_UNIT_DIAGRAM_ISREFERUNIT" val="0"/>
+  <p:tag name="KSO_WM_UNIT_ID" val="_11**"/>
+  <p:tag name="KSO_WM_UNIT_LAYERLEVEL" val="1"/>
+  <p:tag name="KSO_WM_TAG_VERSION" val="1.0"/>
+  <p:tag name="KSO_WM_BEAUTIFY_FLAG" val="#wm#"/>
+</p:tagLst>
+</file>
+
+<file path=ppt/tags/tag6.xml><?xml version="1.0" encoding="utf-8"?>
+<p:tagLst xmlns:a="http://schemas.openxmlformats.org/drawingml/2006/main" xmlns:r="http://schemas.openxmlformats.org/officeDocument/2006/relationships" xmlns:p="http://schemas.openxmlformats.org/presentationml/2006/main">
+  <p:tag name="KSO_WM_UNIT_HIGHLIGHT" val="0"/>
+  <p:tag name="KSO_WM_UNIT_COMPATIBLE" val="0"/>
+  <p:tag name="KSO_WM_UNIT_DIAGRAM_ISNUMVISUAL" val="0"/>
+  <p:tag name="KSO_WM_UNIT_DIAGRAM_ISREFERUNIT" val="0"/>
+  <p:tag name="KSO_WM_UNIT_ID" val="_0**"/>
+  <p:tag name="KSO_WM_UNIT_LAYERLEVEL" val="1"/>
+  <p:tag name="KSO_WM_TAG_VERSION" val="1.0"/>
+  <p:tag name="KSO_WM_BEAUTIFY_FLAG" val="#wm#"/>
+</p:tagLst>
+</file>
+
+<file path=ppt/tags/tag60.xml><?xml version="1.0" encoding="utf-8"?>
+<p:tagLst xmlns:a="http://schemas.openxmlformats.org/drawingml/2006/main" xmlns:r="http://schemas.openxmlformats.org/officeDocument/2006/relationships" xmlns:p="http://schemas.openxmlformats.org/presentationml/2006/main">
+  <p:tag name="KSO_WM_UNIT_HIGHLIGHT" val="0"/>
+  <p:tag name="KSO_WM_UNIT_COMPATIBLE" val="0"/>
+  <p:tag name="KSO_WM_UNIT_DIAGRAM_ISNUMVISUAL" val="0"/>
+  <p:tag name="KSO_WM_UNIT_DIAGRAM_ISREFERUNIT" val="0"/>
+  <p:tag name="KSO_WM_UNIT_ID" val="_11**"/>
+  <p:tag name="KSO_WM_UNIT_LAYERLEVEL" val="1"/>
+  <p:tag name="KSO_WM_TAG_VERSION" val="1.0"/>
+  <p:tag name="KSO_WM_BEAUTIFY_FLAG" val="#wm#"/>
+</p:tagLst>
+</file>
+
+<file path=ppt/tags/tag61.xml><?xml version="1.0" encoding="utf-8"?>
+<p:tagLst xmlns:a="http://schemas.openxmlformats.org/drawingml/2006/main" xmlns:r="http://schemas.openxmlformats.org/officeDocument/2006/relationships" xmlns:p="http://schemas.openxmlformats.org/presentationml/2006/main">
+  <p:tag name="KSO_WM_UNIT_HIGHLIGHT" val="0"/>
+  <p:tag name="KSO_WM_UNIT_COMPATIBLE" val="0"/>
+  <p:tag name="KSO_WM_UNIT_DIAGRAM_ISNUMVISUAL" val="0"/>
+  <p:tag name="KSO_WM_UNIT_DIAGRAM_ISREFERUNIT" val="0"/>
+  <p:tag name="KSO_WM_UNIT_ID" val="_11**"/>
+  <p:tag name="KSO_WM_UNIT_LAYERLEVEL" val="1"/>
+  <p:tag name="KSO_WM_TAG_VERSION" val="1.0"/>
+  <p:tag name="KSO_WM_BEAUTIFY_FLAG" val="#wm#"/>
+</p:tagLst>
+</file>
+
+<file path=ppt/tags/tag62.xml><?xml version="1.0" encoding="utf-8"?>
+<p:tagLst xmlns:a="http://schemas.openxmlformats.org/drawingml/2006/main" xmlns:r="http://schemas.openxmlformats.org/officeDocument/2006/relationships" xmlns:p="http://schemas.openxmlformats.org/presentationml/2006/main">
+  <p:tag name="KSO_WM_UNIT_HIGHLIGHT" val="0"/>
+  <p:tag name="KSO_WM_UNIT_COMPATIBLE" val="0"/>
+  <p:tag name="KSO_WM_UNIT_DIAGRAM_ISNUMVISUAL" val="0"/>
+  <p:tag name="KSO_WM_UNIT_DIAGRAM_ISREFERUNIT" val="0"/>
+  <p:tag name="KSO_WM_UNIT_ID" val="_11**"/>
+  <p:tag name="KSO_WM_UNIT_LAYERLEVEL" val="1"/>
+  <p:tag name="KSO_WM_TAG_VERSION" val="1.0"/>
+  <p:tag name="KSO_WM_BEAUTIFY_FLAG" val="#wm#"/>
+</p:tagLst>
+</file>
+
 <file path=ppt/tags/tag63.xml><?xml version="1.0" encoding="utf-8"?>
-<p:tagLst xmlns:p="http://schemas.openxmlformats.org/presentationml/2006/main">
+<p:tagLst xmlns:a="http://schemas.openxmlformats.org/drawingml/2006/main" xmlns:r="http://schemas.openxmlformats.org/officeDocument/2006/relationships" xmlns:p="http://schemas.openxmlformats.org/presentationml/2006/main">
   <p:tag name="KSO_WM_SLIDE_ID" val="custom20205081_1"/>
   <p:tag name="KSO_WM_TEMPLATE_SUBCATEGORY" val="19"/>
   <p:tag name="KSO_WM_TEMPLATE_MASTER_TYPE" val="0"/>
@@ -4481,7 +4526,7 @@
 </file>
 
 <file path=ppt/tags/tag64.xml><?xml version="1.0" encoding="utf-8"?>
-<p:tagLst xmlns:p="http://schemas.openxmlformats.org/presentationml/2006/main">
+<p:tagLst xmlns:a="http://schemas.openxmlformats.org/drawingml/2006/main" xmlns:r="http://schemas.openxmlformats.org/officeDocument/2006/relationships" xmlns:p="http://schemas.openxmlformats.org/presentationml/2006/main">
   <p:tag name="KSO_WM_BEAUTIFY_FLAG" val="#wm#"/>
   <p:tag name="KSO_WM_TEMPLATE_CATEGORY" val="custom"/>
   <p:tag name="KSO_WM_TEMPLATE_INDEX" val="20205081"/>
@@ -4489,12 +4534,12 @@
 </file>
 
 <file path=ppt/tags/tag7.xml><?xml version="1.0" encoding="utf-8"?>
-<p:tagLst xmlns:p="http://schemas.openxmlformats.org/presentationml/2006/main">
-  <p:tag name="KSO_WM_UNIT_HIGHLIGHT" val="0"/>
-  <p:tag name="KSO_WM_UNIT_COMPATIBLE" val="0"/>
-  <p:tag name="KSO_WM_UNIT_DIAGRAM_ISNUMVISUAL" val="0"/>
-  <p:tag name="KSO_WM_UNIT_DIAGRAM_ISREFERUNIT" val="0"/>
-  <p:tag name="KSO_WM_UNIT_ID" val="_2**"/>
+<p:tagLst xmlns:a="http://schemas.openxmlformats.org/drawingml/2006/main" xmlns:r="http://schemas.openxmlformats.org/officeDocument/2006/relationships" xmlns:p="http://schemas.openxmlformats.org/presentationml/2006/main">
+  <p:tag name="KSO_WM_UNIT_HIGHLIGHT" val="0"/>
+  <p:tag name="KSO_WM_UNIT_COMPATIBLE" val="0"/>
+  <p:tag name="KSO_WM_UNIT_DIAGRAM_ISNUMVISUAL" val="0"/>
+  <p:tag name="KSO_WM_UNIT_DIAGRAM_ISREFERUNIT" val="0"/>
+  <p:tag name="KSO_WM_UNIT_ID" val="_1**"/>
   <p:tag name="KSO_WM_UNIT_LAYERLEVEL" val="1"/>
   <p:tag name="KSO_WM_TAG_VERSION" val="1.0"/>
   <p:tag name="KSO_WM_BEAUTIFY_FLAG" val="#wm#"/>
@@ -4502,12 +4547,12 @@
 </file>
 
 <file path=ppt/tags/tag8.xml><?xml version="1.0" encoding="utf-8"?>
-<p:tagLst xmlns:p="http://schemas.openxmlformats.org/presentationml/2006/main">
-  <p:tag name="KSO_WM_UNIT_HIGHLIGHT" val="0"/>
-  <p:tag name="KSO_WM_UNIT_COMPATIBLE" val="0"/>
-  <p:tag name="KSO_WM_UNIT_DIAGRAM_ISNUMVISUAL" val="0"/>
-  <p:tag name="KSO_WM_UNIT_DIAGRAM_ISREFERUNIT" val="0"/>
-  <p:tag name="KSO_WM_UNIT_ID" val="_2**"/>
+<p:tagLst xmlns:a="http://schemas.openxmlformats.org/drawingml/2006/main" xmlns:r="http://schemas.openxmlformats.org/officeDocument/2006/relationships" xmlns:p="http://schemas.openxmlformats.org/presentationml/2006/main">
+  <p:tag name="KSO_WM_UNIT_HIGHLIGHT" val="0"/>
+  <p:tag name="KSO_WM_UNIT_COMPATIBLE" val="0"/>
+  <p:tag name="KSO_WM_UNIT_DIAGRAM_ISNUMVISUAL" val="0"/>
+  <p:tag name="KSO_WM_UNIT_DIAGRAM_ISREFERUNIT" val="0"/>
+  <p:tag name="KSO_WM_UNIT_ID" val="_1**"/>
   <p:tag name="KSO_WM_UNIT_LAYERLEVEL" val="1"/>
   <p:tag name="KSO_WM_TAG_VERSION" val="1.0"/>
   <p:tag name="KSO_WM_BEAUTIFY_FLAG" val="#wm#"/>
@@ -4515,12 +4560,12 @@
 </file>
 
 <file path=ppt/tags/tag9.xml><?xml version="1.0" encoding="utf-8"?>
-<p:tagLst xmlns:p="http://schemas.openxmlformats.org/presentationml/2006/main">
-  <p:tag name="KSO_WM_UNIT_HIGHLIGHT" val="0"/>
-  <p:tag name="KSO_WM_UNIT_COMPATIBLE" val="0"/>
-  <p:tag name="KSO_WM_UNIT_DIAGRAM_ISNUMVISUAL" val="0"/>
-  <p:tag name="KSO_WM_UNIT_DIAGRAM_ISREFERUNIT" val="0"/>
-  <p:tag name="KSO_WM_UNIT_ID" val="_2**"/>
+<p:tagLst xmlns:a="http://schemas.openxmlformats.org/drawingml/2006/main" xmlns:r="http://schemas.openxmlformats.org/officeDocument/2006/relationships" xmlns:p="http://schemas.openxmlformats.org/presentationml/2006/main">
+  <p:tag name="KSO_WM_UNIT_HIGHLIGHT" val="0"/>
+  <p:tag name="KSO_WM_UNIT_COMPATIBLE" val="0"/>
+  <p:tag name="KSO_WM_UNIT_DIAGRAM_ISNUMVISUAL" val="0"/>
+  <p:tag name="KSO_WM_UNIT_DIAGRAM_ISREFERUNIT" val="0"/>
+  <p:tag name="KSO_WM_UNIT_ID" val="_1**"/>
   <p:tag name="KSO_WM_UNIT_LAYERLEVEL" val="1"/>
   <p:tag name="KSO_WM_TAG_VERSION" val="1.0"/>
   <p:tag name="KSO_WM_BEAUTIFY_FLAG" val="#wm#"/>
@@ -4710,6 +4755,8 @@
       </a:bgFillStyleLst>
     </a:fmtScheme>
   </a:themeElements>
+  <a:objectDefaults/>
+  <a:extraClrSchemeLst/>
   <a:extLst>
     <a:ext uri="{05A4C25C-085E-4340-85A3-A5531E510DB2}">
       <thm15:themeFamily xmlns:thm15="http://schemas.microsoft.com/office/thememl/2012/main" name="Office Theme" id="{62F939B6-93AF-4DB8-9C6B-D6C7DFDC589F}" vid="{4A3C46E8-61CC-4603-A589-7422A47A8E4A}"/>
@@ -4909,6 +4956,8 @@
       </a:bgFillStyleLst>
     </a:fmtScheme>
   </a:themeElements>
+  <a:objectDefaults/>
+  <a:extraClrSchemeLst/>
   <a:extLst>
     <a:ext uri="{05A4C25C-085E-4340-85A3-A5531E510DB2}">
       <thm15:themeFamily xmlns:thm15="http://schemas.microsoft.com/office/thememl/2012/main" name="Office Theme" id="{62F939B6-93AF-4DB8-9C6B-D6C7DFDC589F}" vid="{4A3C46E8-61CC-4603-A589-7422A47A8E4A}"/>
@@ -5108,6 +5157,8 @@
       </a:bgFillStyleLst>
     </a:fmtScheme>
   </a:themeElements>
+  <a:objectDefaults/>
+  <a:extraClrSchemeLst/>
   <a:extLst>
     <a:ext uri="{05A4C25C-085E-4340-85A3-A5531E510DB2}">
       <thm15:themeFamily xmlns:thm15="http://schemas.microsoft.com/office/thememl/2012/main" name="Office Theme" id="{62F939B6-93AF-4DB8-9C6B-D6C7DFDC589F}" vid="{4A3C46E8-61CC-4603-A589-7422A47A8E4A}"/>
